--- a/smshel21/powerlifting/module/Score Festival of Science Poster.pptx
+++ b/smshel21/powerlifting/module/Score Festival of Science Poster.pptx
@@ -121,7 +121,7 @@
 <file path=ppt/revisionInfo.xml><?xml version="1.0" encoding="utf-8"?>
 <p1510:revInfo xmlns:a="http://schemas.openxmlformats.org/drawingml/2006/main" xmlns:r="http://schemas.openxmlformats.org/officeDocument/2006/relationships" xmlns:p1510="http://schemas.microsoft.com/office/powerpoint/2015/10/main">
   <p1510:revLst>
-    <p1510:client id="{028595AD-C75E-F18B-B701-BC1E9473396C}" v="1897" dt="2025-04-15T13:48:58.877"/>
+    <p1510:client id="{028595AD-C75E-F18B-B701-BC1E9473396C}" v="1900" dt="2025-04-15T14:18:28.765"/>
   </p1510:revLst>
 </p1510:revInfo>
 </file>
@@ -4228,7 +4228,7 @@
           <a:p>
             <a:pPr algn="ctr"/>
             <a:r>
-              <a:rPr lang="en-US" sz="7700" dirty="0">
+              <a:rPr lang="en-US" sz="7200" dirty="0">
                 <a:solidFill>
                   <a:schemeClr val="tx1"/>
                 </a:solidFill>
@@ -4236,7 +4236,7 @@
                 <a:ea typeface="+mn-lt"/>
                 <a:cs typeface="Calibri"/>
               </a:rPr>
-              <a:t>Learning Objectives</a:t>
+              <a:t>Learning Objectives:</a:t>
             </a:r>
           </a:p>
         </p:txBody>

--- a/smshel21/powerlifting/module/Score Festival of Science Poster.pptx
+++ b/smshel21/powerlifting/module/Score Festival of Science Poster.pptx
@@ -114,6 +114,7 @@
 
 <file path=ppt/authors.xml><?xml version="1.0" encoding="utf-8"?>
 <p188:authorLst xmlns:a="http://schemas.openxmlformats.org/drawingml/2006/main" xmlns:r="http://schemas.openxmlformats.org/officeDocument/2006/relationships" xmlns:p188="http://schemas.microsoft.com/office/powerpoint/2018/8/main">
+  <p188:author id="{FB9CB9C2-F4C0-2EA1-6435-ED7E63BA8FF7}" name="Sarah Sheldon" initials="SS" userId="S::smshel21@stlawu.edu::cfcfb867-83ca-40c5-a554-bfab35d12189" providerId="AD"/>
   <p188:author id="{F6B59BF2-35BF-CF05-7AA5-436912A20A80}" name="Kimberly Longfellow" initials="KL" userId="S::klongfellow@stlawu.edu::f2032097-51ab-4100-9045-616529e1a2a9" providerId="AD"/>
 </p188:authorLst>
 </file>
@@ -121,9 +122,34 @@
 <file path=ppt/revisionInfo.xml><?xml version="1.0" encoding="utf-8"?>
 <p1510:revInfo xmlns:a="http://schemas.openxmlformats.org/drawingml/2006/main" xmlns:r="http://schemas.openxmlformats.org/officeDocument/2006/relationships" xmlns:p1510="http://schemas.microsoft.com/office/powerpoint/2015/10/main">
   <p1510:revLst>
-    <p1510:client id="{028595AD-C75E-F18B-B701-BC1E9473396C}" v="1900" dt="2025-04-15T14:18:28.765"/>
+    <p1510:client id="{028595AD-C75E-F18B-B701-BC1E9473396C}" v="8074" dt="2025-04-18T18:37:29.350"/>
   </p1510:revLst>
 </p1510:revInfo>
+</file>
+
+<file path=ppt/comments/modernComment_100_E0F3E25F.xml><?xml version="1.0" encoding="utf-8"?>
+<p188:cmLst xmlns:a="http://schemas.openxmlformats.org/drawingml/2006/main" xmlns:r="http://schemas.openxmlformats.org/officeDocument/2006/relationships" xmlns:p188="http://schemas.microsoft.com/office/powerpoint/2018/8/main">
+  <p188:cm id="{9B2D5CA0-54B6-48EF-A88C-F5473CE3C2C2}" authorId="{FB9CB9C2-F4C0-2EA1-6435-ED7E63BA8FF7}" created="2025-04-18T17:50:00.555">
+    <ac:deMkLst xmlns:ac="http://schemas.microsoft.com/office/drawing/2013/main/command">
+      <pc:docMk xmlns:pc="http://schemas.microsoft.com/office/powerpoint/2013/main/command"/>
+      <pc:sldMk xmlns:pc="http://schemas.microsoft.com/office/powerpoint/2013/main/command" cId="3774079583" sldId="256"/>
+      <ac:spMk id="15" creationId="{2ED22D66-BFB9-9C22-F9B8-A706AAED48EA}"/>
+    </ac:deMkLst>
+    <p188:txBody>
+      <a:bodyPr/>
+      <a:lstStyle/>
+      <a:p>
+        <a:r>
+          <a:rPr lang="en-US"/>
+          <a:t>Powerlifting is a strength sport where competitors in the same weight class aim to lift the heaviest weights in the squat, bench press, and deadlift. ​
+Depending on the division, lifters may use different types of equipment: single or multi-ply suits, knee wraps, sleeves, or lift raw with no support gear. ​
+Operation: Judges give specific commands for each lift, and the lifter must follow them and receive approval from all three judges. ​
+Data is still recorded even if a lifter does not finish or is disqualified from the competition. </a:t>
+        </a:r>
+      </a:p>
+    </p188:txBody>
+  </p188:cm>
+</p188:cmLst>
 </file>
 
 <file path=ppt/slideLayouts/slideLayout1.xml><?xml version="1.0" encoding="utf-8"?>
@@ -255,7 +281,7 @@
           <a:p>
             <a:fld id="{2DC29746-1088-C241-BC8C-4CC03DF23E15}" type="datetimeFigureOut">
               <a:rPr lang="en-US" smtClean="0"/>
-              <a:t>4/15/2025</a:t>
+              <a:t>4/18/2025</a:t>
             </a:fld>
             <a:endParaRPr lang="en-US"/>
           </a:p>
@@ -423,7 +449,7 @@
           <a:p>
             <a:fld id="{2DC29746-1088-C241-BC8C-4CC03DF23E15}" type="datetimeFigureOut">
               <a:rPr lang="en-US" smtClean="0"/>
-              <a:t>4/15/2025</a:t>
+              <a:t>4/18/2025</a:t>
             </a:fld>
             <a:endParaRPr lang="en-US"/>
           </a:p>
@@ -601,7 +627,7 @@
           <a:p>
             <a:fld id="{2DC29746-1088-C241-BC8C-4CC03DF23E15}" type="datetimeFigureOut">
               <a:rPr lang="en-US" smtClean="0"/>
-              <a:t>4/15/2025</a:t>
+              <a:t>4/18/2025</a:t>
             </a:fld>
             <a:endParaRPr lang="en-US"/>
           </a:p>
@@ -769,7 +795,7 @@
           <a:p>
             <a:fld id="{2DC29746-1088-C241-BC8C-4CC03DF23E15}" type="datetimeFigureOut">
               <a:rPr lang="en-US" smtClean="0"/>
-              <a:t>4/15/2025</a:t>
+              <a:t>4/18/2025</a:t>
             </a:fld>
             <a:endParaRPr lang="en-US"/>
           </a:p>
@@ -1012,7 +1038,7 @@
           <a:p>
             <a:fld id="{2DC29746-1088-C241-BC8C-4CC03DF23E15}" type="datetimeFigureOut">
               <a:rPr lang="en-US" smtClean="0"/>
-              <a:t>4/15/2025</a:t>
+              <a:t>4/18/2025</a:t>
             </a:fld>
             <a:endParaRPr lang="en-US"/>
           </a:p>
@@ -1241,7 +1267,7 @@
           <a:p>
             <a:fld id="{2DC29746-1088-C241-BC8C-4CC03DF23E15}" type="datetimeFigureOut">
               <a:rPr lang="en-US" smtClean="0"/>
-              <a:t>4/15/2025</a:t>
+              <a:t>4/18/2025</a:t>
             </a:fld>
             <a:endParaRPr lang="en-US"/>
           </a:p>
@@ -1605,7 +1631,7 @@
           <a:p>
             <a:fld id="{2DC29746-1088-C241-BC8C-4CC03DF23E15}" type="datetimeFigureOut">
               <a:rPr lang="en-US" smtClean="0"/>
-              <a:t>4/15/2025</a:t>
+              <a:t>4/18/2025</a:t>
             </a:fld>
             <a:endParaRPr lang="en-US"/>
           </a:p>
@@ -1722,7 +1748,7 @@
           <a:p>
             <a:fld id="{2DC29746-1088-C241-BC8C-4CC03DF23E15}" type="datetimeFigureOut">
               <a:rPr lang="en-US" smtClean="0"/>
-              <a:t>4/15/2025</a:t>
+              <a:t>4/18/2025</a:t>
             </a:fld>
             <a:endParaRPr lang="en-US"/>
           </a:p>
@@ -1817,7 +1843,7 @@
           <a:p>
             <a:fld id="{2DC29746-1088-C241-BC8C-4CC03DF23E15}" type="datetimeFigureOut">
               <a:rPr lang="en-US" smtClean="0"/>
-              <a:t>4/15/2025</a:t>
+              <a:t>4/18/2025</a:t>
             </a:fld>
             <a:endParaRPr lang="en-US"/>
           </a:p>
@@ -2092,7 +2118,7 @@
           <a:p>
             <a:fld id="{2DC29746-1088-C241-BC8C-4CC03DF23E15}" type="datetimeFigureOut">
               <a:rPr lang="en-US" smtClean="0"/>
-              <a:t>4/15/2025</a:t>
+              <a:t>4/18/2025</a:t>
             </a:fld>
             <a:endParaRPr lang="en-US"/>
           </a:p>
@@ -2347,7 +2373,7 @@
           <a:p>
             <a:fld id="{2DC29746-1088-C241-BC8C-4CC03DF23E15}" type="datetimeFigureOut">
               <a:rPr lang="en-US" smtClean="0"/>
-              <a:t>4/15/2025</a:t>
+              <a:t>4/18/2025</a:t>
             </a:fld>
             <a:endParaRPr lang="en-US"/>
           </a:p>
@@ -2558,7 +2584,7 @@
           <a:p>
             <a:fld id="{2DC29746-1088-C241-BC8C-4CC03DF23E15}" type="datetimeFigureOut">
               <a:rPr lang="en-US" smtClean="0"/>
-              <a:t>4/15/2025</a:t>
+              <a:t>4/18/2025</a:t>
             </a:fld>
             <a:endParaRPr lang="en-US"/>
           </a:p>
@@ -3022,58 +3048,6 @@
       </p:sp>
       <p:sp>
         <p:nvSpPr>
-          <p:cNvPr id="10" name="Rectangle 9">
-            <a:extLst>
-              <a:ext uri="{FF2B5EF4-FFF2-40B4-BE49-F238E27FC236}">
-                <a16:creationId xmlns:a16="http://schemas.microsoft.com/office/drawing/2014/main" id="{FC640329-B67B-7158-573B-9476D8E345BB}"/>
-              </a:ext>
-            </a:extLst>
-          </p:cNvPr>
-          <p:cNvSpPr/>
-          <p:nvPr/>
-        </p:nvSpPr>
-        <p:spPr>
-          <a:xfrm>
-            <a:off x="867018" y="6616763"/>
-            <a:ext cx="13329421" cy="1438426"/>
-          </a:xfrm>
-          <a:prstGeom prst="rect">
-            <a:avLst/>
-          </a:prstGeom>
-          <a:solidFill>
-            <a:schemeClr val="accent2">
-              <a:lumMod val="20000"/>
-              <a:lumOff val="80000"/>
-            </a:schemeClr>
-          </a:solidFill>
-        </p:spPr>
-        <p:style>
-          <a:lnRef idx="2">
-            <a:schemeClr val="accent1">
-              <a:shade val="15000"/>
-            </a:schemeClr>
-          </a:lnRef>
-          <a:fillRef idx="1">
-            <a:schemeClr val="accent1"/>
-          </a:fillRef>
-          <a:effectRef idx="0">
-            <a:schemeClr val="accent1"/>
-          </a:effectRef>
-          <a:fontRef idx="minor">
-            <a:schemeClr val="lt1"/>
-          </a:fontRef>
-        </p:style>
-        <p:txBody>
-          <a:bodyPr rtlCol="0" anchor="ctr"/>
-          <a:lstStyle/>
-          <a:p>
-            <a:pPr algn="ctr"/>
-            <a:endParaRPr lang="en-US"/>
-          </a:p>
-        </p:txBody>
-      </p:sp>
-      <p:sp>
-        <p:nvSpPr>
           <p:cNvPr id="25" name="Rectangle 24">
             <a:extLst>
               <a:ext uri="{FF2B5EF4-FFF2-40B4-BE49-F238E27FC236}">
@@ -3124,162 +3098,6 @@
               <a:ea typeface="Calibri"/>
               <a:cs typeface="Calibri"/>
             </a:endParaRPr>
-          </a:p>
-        </p:txBody>
-      </p:sp>
-      <p:sp>
-        <p:nvSpPr>
-          <p:cNvPr id="21" name="Rectangle 20">
-            <a:extLst>
-              <a:ext uri="{FF2B5EF4-FFF2-40B4-BE49-F238E27FC236}">
-                <a16:creationId xmlns:a16="http://schemas.microsoft.com/office/drawing/2014/main" id="{C7301256-6F6D-1F0C-A27B-0AD96F4A3B0F}"/>
-              </a:ext>
-            </a:extLst>
-          </p:cNvPr>
-          <p:cNvSpPr/>
-          <p:nvPr/>
-        </p:nvSpPr>
-        <p:spPr>
-          <a:xfrm>
-            <a:off x="15151429" y="6616763"/>
-            <a:ext cx="13329421" cy="1438426"/>
-          </a:xfrm>
-          <a:prstGeom prst="rect">
-            <a:avLst/>
-          </a:prstGeom>
-          <a:solidFill>
-            <a:schemeClr val="accent2">
-              <a:lumMod val="20000"/>
-              <a:lumOff val="80000"/>
-            </a:schemeClr>
-          </a:solidFill>
-        </p:spPr>
-        <p:style>
-          <a:lnRef idx="2">
-            <a:schemeClr val="accent1">
-              <a:shade val="15000"/>
-            </a:schemeClr>
-          </a:lnRef>
-          <a:fillRef idx="1">
-            <a:schemeClr val="accent1"/>
-          </a:fillRef>
-          <a:effectRef idx="0">
-            <a:schemeClr val="accent1"/>
-          </a:effectRef>
-          <a:fontRef idx="minor">
-            <a:schemeClr val="lt1"/>
-          </a:fontRef>
-        </p:style>
-        <p:txBody>
-          <a:bodyPr rtlCol="0" anchor="ctr"/>
-          <a:lstStyle/>
-          <a:p>
-            <a:pPr algn="ctr"/>
-            <a:endParaRPr lang="en-US"/>
-          </a:p>
-        </p:txBody>
-      </p:sp>
-      <p:sp>
-        <p:nvSpPr>
-          <p:cNvPr id="20" name="Rectangle 19">
-            <a:extLst>
-              <a:ext uri="{FF2B5EF4-FFF2-40B4-BE49-F238E27FC236}">
-                <a16:creationId xmlns:a16="http://schemas.microsoft.com/office/drawing/2014/main" id="{2184C03D-9311-B79C-6008-E2905AD63E8C}"/>
-              </a:ext>
-            </a:extLst>
-          </p:cNvPr>
-          <p:cNvSpPr/>
-          <p:nvPr/>
-        </p:nvSpPr>
-        <p:spPr>
-          <a:xfrm>
-            <a:off x="15189796" y="22391552"/>
-            <a:ext cx="13300636" cy="1102752"/>
-          </a:xfrm>
-          <a:prstGeom prst="rect">
-            <a:avLst/>
-          </a:prstGeom>
-          <a:solidFill>
-            <a:schemeClr val="accent2">
-              <a:lumMod val="20000"/>
-              <a:lumOff val="80000"/>
-            </a:schemeClr>
-          </a:solidFill>
-        </p:spPr>
-        <p:style>
-          <a:lnRef idx="2">
-            <a:schemeClr val="accent1">
-              <a:shade val="15000"/>
-            </a:schemeClr>
-          </a:lnRef>
-          <a:fillRef idx="1">
-            <a:schemeClr val="accent1"/>
-          </a:fillRef>
-          <a:effectRef idx="0">
-            <a:schemeClr val="accent1"/>
-          </a:effectRef>
-          <a:fontRef idx="minor">
-            <a:schemeClr val="lt1"/>
-          </a:fontRef>
-        </p:style>
-        <p:txBody>
-          <a:bodyPr rtlCol="0" anchor="ctr"/>
-          <a:lstStyle/>
-          <a:p>
-            <a:pPr algn="ctr"/>
-            <a:endParaRPr lang="en-US"/>
-          </a:p>
-        </p:txBody>
-      </p:sp>
-      <p:sp>
-        <p:nvSpPr>
-          <p:cNvPr id="17" name="Rectangle 16">
-            <a:extLst>
-              <a:ext uri="{FF2B5EF4-FFF2-40B4-BE49-F238E27FC236}">
-                <a16:creationId xmlns:a16="http://schemas.microsoft.com/office/drawing/2014/main" id="{149F0756-CB75-07EA-A277-3302F9A4DCF8}"/>
-              </a:ext>
-            </a:extLst>
-          </p:cNvPr>
-          <p:cNvSpPr/>
-          <p:nvPr/>
-        </p:nvSpPr>
-        <p:spPr>
-          <a:xfrm>
-            <a:off x="15180212" y="14902109"/>
-            <a:ext cx="13339004" cy="1150657"/>
-          </a:xfrm>
-          <a:prstGeom prst="rect">
-            <a:avLst/>
-          </a:prstGeom>
-          <a:solidFill>
-            <a:schemeClr val="accent2">
-              <a:lumMod val="20000"/>
-              <a:lumOff val="80000"/>
-            </a:schemeClr>
-          </a:solidFill>
-        </p:spPr>
-        <p:style>
-          <a:lnRef idx="2">
-            <a:schemeClr val="accent1">
-              <a:shade val="15000"/>
-            </a:schemeClr>
-          </a:lnRef>
-          <a:fillRef idx="1">
-            <a:schemeClr val="accent1"/>
-          </a:fillRef>
-          <a:effectRef idx="0">
-            <a:schemeClr val="accent1"/>
-          </a:effectRef>
-          <a:fontRef idx="minor">
-            <a:schemeClr val="lt1"/>
-          </a:fontRef>
-        </p:style>
-        <p:txBody>
-          <a:bodyPr rtlCol="0" anchor="ctr"/>
-          <a:lstStyle/>
-          <a:p>
-            <a:pPr algn="ctr"/>
-            <a:endParaRPr lang="en-US"/>
           </a:p>
         </p:txBody>
       </p:sp>
@@ -3475,7 +3293,7 @@
           <a:p>
             <a:pPr algn="ctr"/>
             <a:r>
-              <a:rPr lang="en-US" altLang="en-US" sz="10000" b="1">
+              <a:rPr lang="en-US" altLang="en-US" sz="10000" b="1" dirty="0">
                 <a:latin typeface="Garamond"/>
                 <a:cs typeface="Times New Roman"/>
               </a:rPr>
@@ -3485,13 +3303,13 @@
           <a:p>
             <a:pPr algn="ctr"/>
             <a:r>
-              <a:rPr lang="en-US" altLang="en-US" sz="6000">
+              <a:rPr lang="en-US" altLang="en-US" sz="6000" dirty="0">
                 <a:latin typeface="Garamond"/>
                 <a:cs typeface="Times New Roman"/>
               </a:rPr>
-              <a:t>Sarah Sheldon '25 (Statistics) and Josh Larson '25 (Mathematics)</a:t>
-            </a:r>
-            <a:endParaRPr lang="en-US" altLang="en-US" sz="6000">
+              <a:t>Sarah Sheldon '25 (Statistics) and Joshua Larson '25 (Mathematics)</a:t>
+            </a:r>
+            <a:endParaRPr lang="en-US" altLang="en-US" sz="6000" dirty="0">
               <a:latin typeface="Garamond" panose="02020404030301010803" pitchFamily="18" charset="0"/>
               <a:cs typeface="Times New Roman" panose="02020603050405020304" pitchFamily="18" charset="0"/>
             </a:endParaRPr>
@@ -3499,29 +3317,32 @@
           <a:p>
             <a:pPr algn="ctr"/>
             <a:r>
-              <a:rPr lang="en-US" altLang="en-US" sz="6000">
+              <a:rPr lang="en-US" altLang="en-US" sz="6000" dirty="0">
                 <a:latin typeface="Garamond"/>
                 <a:cs typeface="Times New Roman"/>
               </a:rPr>
               <a:t>Advisor: Dr. </a:t>
             </a:r>
             <a:r>
-              <a:rPr lang="en-US" altLang="en-US" sz="6000">
+              <a:rPr lang="en-US" altLang="en-US" sz="6000" dirty="0">
                 <a:solidFill>
                   <a:srgbClr val="000000"/>
                 </a:solidFill>
                 <a:latin typeface="Garamond"/>
                 <a:cs typeface="Times New Roman"/>
               </a:rPr>
-              <a:t>Ivan Ramler (Statistics)</a:t>
+              <a:t>Ivan Ramler</a:t>
             </a:r>
           </a:p>
           <a:p>
             <a:pPr algn="ctr"/>
-            <a:endParaRPr lang="en-US" altLang="en-US" sz="6000">
-              <a:latin typeface="Garamond"/>
-              <a:cs typeface="Times New Roman"/>
-            </a:endParaRPr>
+            <a:r>
+              <a:rPr lang="en-US" altLang="en-US" sz="6000" dirty="0">
+                <a:latin typeface="Garamond"/>
+                <a:cs typeface="Times New Roman"/>
+              </a:rPr>
+              <a:t>Department of Mathematics, Computer Science, and Statistics</a:t>
+            </a:r>
           </a:p>
         </p:txBody>
       </p:sp>
@@ -3540,14 +3361,14 @@
           <p:nvPr/>
         </p:nvPicPr>
         <p:blipFill>
-          <a:blip r:embed="rId2"/>
+          <a:blip r:embed="rId3"/>
           <a:stretch>
             <a:fillRect/>
           </a:stretch>
         </p:blipFill>
         <p:spPr>
           <a:xfrm>
-            <a:off x="1456797" y="-1631815"/>
+            <a:off x="1286691" y="-2088212"/>
             <a:ext cx="7511177" cy="9720347"/>
           </a:xfrm>
           <a:prstGeom prst="rect">
@@ -3555,127 +3376,6 @@
           </a:prstGeom>
         </p:spPr>
       </p:pic>
-      <p:sp>
-        <p:nvSpPr>
-          <p:cNvPr id="18" name="TextBox 17">
-            <a:extLst>
-              <a:ext uri="{FF2B5EF4-FFF2-40B4-BE49-F238E27FC236}">
-                <a16:creationId xmlns:a16="http://schemas.microsoft.com/office/drawing/2014/main" id="{7B9353E3-9041-1A4D-98C1-58D5DD66ABB7}"/>
-              </a:ext>
-            </a:extLst>
-          </p:cNvPr>
-          <p:cNvSpPr txBox="1"/>
-          <p:nvPr/>
-        </p:nvSpPr>
-        <p:spPr>
-          <a:xfrm>
-            <a:off x="1214024" y="6987172"/>
-            <a:ext cx="12637782" cy="9325630"/>
-          </a:xfrm>
-          <a:prstGeom prst="rect">
-            <a:avLst/>
-          </a:prstGeom>
-          <a:noFill/>
-        </p:spPr>
-        <p:txBody>
-          <a:bodyPr wrap="square" lIns="91440" tIns="45720" rIns="91440" bIns="45720" rtlCol="0" anchor="t">
-            <a:spAutoFit/>
-          </a:bodyPr>
-          <a:lstStyle/>
-          <a:p>
-            <a:pPr algn="ctr"/>
-            <a:r>
-              <a:rPr lang="en-US" sz="7200" dirty="0">
-                <a:latin typeface="Garamond"/>
-              </a:rPr>
-              <a:t>Sarah Module:</a:t>
-            </a:r>
-          </a:p>
-          <a:p>
-            <a:pPr marL="571500" indent="-571500">
-              <a:buFont typeface="Arial"/>
-              <a:buChar char="•"/>
-            </a:pPr>
-            <a:r>
-              <a:rPr lang="en-US" sz="4400" dirty="0">
-                <a:ea typeface="Calibri"/>
-                <a:cs typeface="Calibri"/>
-              </a:rPr>
-              <a:t>Goal: create model using Age and Sex as variables </a:t>
-            </a:r>
-            <a:r>
-              <a:rPr lang="en-US" sz="4400">
-                <a:ea typeface="Calibri"/>
-                <a:cs typeface="Calibri"/>
-              </a:rPr>
-              <a:t>for predicting Best3DeadliftKg</a:t>
-            </a:r>
-            <a:endParaRPr lang="en-US" sz="4400" dirty="0">
-              <a:ea typeface="Calibri"/>
-              <a:cs typeface="Calibri"/>
-            </a:endParaRPr>
-          </a:p>
-          <a:p>
-            <a:pPr marL="571500" indent="-571500">
-              <a:buFont typeface="Arial"/>
-              <a:buChar char="•"/>
-            </a:pPr>
-            <a:r>
-              <a:rPr lang="en-US" sz="4400" dirty="0">
-                <a:ea typeface="Calibri"/>
-                <a:cs typeface="Calibri"/>
-              </a:rPr>
-              <a:t>Want to see if Age has an effect on strength</a:t>
-            </a:r>
-          </a:p>
-          <a:p>
-            <a:endParaRPr lang="en-US" sz="4400" b="1"/>
-          </a:p>
-          <a:p>
-            <a:endParaRPr lang="en-US" sz="4400">
-              <a:latin typeface="Garamond" panose="02020404030301010803" pitchFamily="18" charset="0"/>
-            </a:endParaRPr>
-          </a:p>
-          <a:p>
-            <a:endParaRPr lang="en-US" sz="4400">
-              <a:latin typeface="Garamond" panose="02020404030301010803" pitchFamily="18" charset="0"/>
-            </a:endParaRPr>
-          </a:p>
-          <a:p>
-            <a:endParaRPr lang="en-US" sz="4400">
-              <a:latin typeface="Garamond" panose="02020404030301010803" pitchFamily="18" charset="0"/>
-            </a:endParaRPr>
-          </a:p>
-          <a:p>
-            <a:endParaRPr lang="en-US" sz="4400">
-              <a:latin typeface="Garamond" panose="02020404030301010803" pitchFamily="18" charset="0"/>
-            </a:endParaRPr>
-          </a:p>
-          <a:p>
-            <a:endParaRPr lang="en-US" sz="4400">
-              <a:latin typeface="Garamond" panose="02020404030301010803" pitchFamily="18" charset="0"/>
-            </a:endParaRPr>
-          </a:p>
-          <a:p>
-            <a:endParaRPr lang="en-US" sz="4400">
-              <a:latin typeface="Garamond" panose="02020404030301010803" pitchFamily="18" charset="0"/>
-            </a:endParaRPr>
-          </a:p>
-          <a:p>
-            <a:endParaRPr lang="en-US" sz="4400">
-              <a:latin typeface="Garamond" panose="02020404030301010803" pitchFamily="18" charset="0"/>
-            </a:endParaRPr>
-          </a:p>
-          <a:p>
-            <a:endParaRPr lang="en-US" sz="4400">
-              <a:solidFill>
-                <a:srgbClr val="FFFFFF"/>
-              </a:solidFill>
-              <a:latin typeface="Garamond" panose="02020404030301010803" pitchFamily="18" charset="0"/>
-            </a:endParaRPr>
-          </a:p>
-        </p:txBody>
-      </p:sp>
       <p:sp>
         <p:nvSpPr>
           <p:cNvPr id="28" name="TextBox 27">
@@ -3705,12 +3405,9 @@
           <a:lstStyle/>
           <a:p>
             <a:pPr algn="ctr"/>
-            <a:r>
-              <a:rPr lang="en-US" sz="7200" dirty="0">
-                <a:latin typeface="Garamond"/>
-              </a:rPr>
-              <a:t>Score:</a:t>
-            </a:r>
+            <a:endParaRPr lang="en-US" sz="7200" dirty="0">
+              <a:latin typeface="Garamond"/>
+            </a:endParaRPr>
           </a:p>
           <a:p>
             <a:pPr marL="571500" indent="-571500">
@@ -3719,7 +3416,7 @@
             </a:pPr>
             <a:r>
               <a:rPr lang="en-US" sz="4400" dirty="0"/>
-              <a:t>Funded by the National Science Foundation with the goal of promoting statistics and data science education using sports data</a:t>
+              <a:t>Funded by the National Science Foundation with the goal of promoting statistics and data science education using sports data.</a:t>
             </a:r>
             <a:endParaRPr lang="en-US" sz="4400" dirty="0">
               <a:ea typeface="Calibri"/>
@@ -3736,7 +3433,7 @@
                 <a:ea typeface="Calibri"/>
                 <a:cs typeface="Calibri"/>
               </a:rPr>
-              <a:t>Modules are created by faculty and students to be used as classroom tools</a:t>
+              <a:t>Modules are created by faculty and students to be used as classroom tools.</a:t>
             </a:r>
           </a:p>
         </p:txBody>
@@ -3755,8 +3452,8 @@
         </p:nvSpPr>
         <p:spPr>
           <a:xfrm>
-            <a:off x="15563442" y="22378509"/>
-            <a:ext cx="12714514" cy="4585871"/>
+            <a:off x="15492191" y="22485386"/>
+            <a:ext cx="12678888" cy="10002738"/>
           </a:xfrm>
           <a:prstGeom prst="rect">
             <a:avLst/>
@@ -3770,12 +3467,9 @@
           <a:lstStyle/>
           <a:p>
             <a:pPr algn="ctr"/>
-            <a:r>
-              <a:rPr lang="en-US" sz="7200" dirty="0">
-                <a:latin typeface="Garamond"/>
-              </a:rPr>
-              <a:t>Data Cleaning:</a:t>
-            </a:r>
+            <a:endParaRPr lang="en-US" sz="7200" dirty="0">
+              <a:latin typeface="Garamond"/>
+            </a:endParaRPr>
           </a:p>
           <a:p>
             <a:pPr marL="571500" indent="-571500">
@@ -3787,7 +3481,21 @@
                 <a:ea typeface="Calibri"/>
                 <a:cs typeface="Calibri"/>
               </a:rPr>
-              <a:t>Got rid of any missing variables</a:t>
+              <a:t>Data was taken from an archive named </a:t>
+            </a:r>
+            <a:r>
+              <a:rPr lang="en-US" sz="4400" dirty="0" err="1">
+                <a:ea typeface="Calibri"/>
+                <a:cs typeface="Calibri"/>
+              </a:rPr>
+              <a:t>openpowerlifitng</a:t>
+            </a:r>
+            <a:r>
+              <a:rPr lang="en-US" sz="4400" dirty="0">
+                <a:ea typeface="Calibri"/>
+                <a:cs typeface="Calibri"/>
+              </a:rPr>
+              <a:t>.</a:t>
             </a:r>
           </a:p>
           <a:p>
@@ -3800,8 +3508,9 @@
                 <a:ea typeface="Calibri"/>
                 <a:cs typeface="Calibri"/>
               </a:rPr>
-              <a:t>Filtered out lifters that didn’t place</a:t>
-            </a:r>
+              <a:t>The original data set had over 3 million rows</a:t>
+            </a:r>
+            <a:endParaRPr lang="en-US" dirty="0"/>
           </a:p>
           <a:p>
             <a:pPr marL="571500" indent="-571500">
@@ -3813,8 +3522,97 @@
                 <a:ea typeface="Calibri"/>
                 <a:cs typeface="Calibri"/>
               </a:rPr>
-              <a:t>Filtered to one competition with two different equipment types in order to narrow down the amount of data points</a:t>
-            </a:r>
+              <a:t>To reduce the number of rows, we:</a:t>
+            </a:r>
+          </a:p>
+          <a:p>
+            <a:pPr marL="2414905" lvl="1" indent="-571500">
+              <a:buFont typeface="Arial"/>
+              <a:buChar char="•"/>
+            </a:pPr>
+            <a:r>
+              <a:rPr lang="en-US" sz="4400" dirty="0">
+                <a:ea typeface="Calibri"/>
+                <a:cs typeface="Calibri"/>
+              </a:rPr>
+              <a:t>Got rid of any missing variables.</a:t>
+            </a:r>
+            <a:endParaRPr lang="en-US" dirty="0">
+              <a:ea typeface="Calibri" panose="020F0502020204030204"/>
+              <a:cs typeface="Calibri" panose="020F0502020204030204"/>
+            </a:endParaRPr>
+          </a:p>
+          <a:p>
+            <a:pPr marL="2414905" lvl="1" indent="-571500">
+              <a:buFont typeface="Arial"/>
+              <a:buChar char="•"/>
+            </a:pPr>
+            <a:r>
+              <a:rPr lang="en-US" sz="4400" dirty="0">
+                <a:ea typeface="Calibri"/>
+                <a:cs typeface="Calibri"/>
+              </a:rPr>
+              <a:t>Filtered out lifters that didn’t place.</a:t>
+            </a:r>
+          </a:p>
+          <a:p>
+            <a:pPr marL="2414905" lvl="1" indent="-571500">
+              <a:buFont typeface="Arial"/>
+              <a:buChar char="•"/>
+            </a:pPr>
+            <a:r>
+              <a:rPr lang="en-US" sz="4400" dirty="0">
+                <a:ea typeface="Calibri"/>
+                <a:cs typeface="Calibri"/>
+              </a:rPr>
+              <a:t>Filtered to one competition (SBD) with two different equipment types (Raw, Single-ply).</a:t>
+            </a:r>
+          </a:p>
+          <a:p>
+            <a:pPr marL="2414905" lvl="1" indent="-571500">
+              <a:buFont typeface="Arial"/>
+              <a:buChar char="•"/>
+            </a:pPr>
+            <a:r>
+              <a:rPr lang="en-US" sz="4400" dirty="0">
+                <a:ea typeface="Calibri"/>
+                <a:cs typeface="Calibri"/>
+              </a:rPr>
+              <a:t>Took a random sample of 500 lifters per Age group.</a:t>
+            </a:r>
+          </a:p>
+          <a:p>
+            <a:pPr marL="2414905" lvl="1" indent="-571500">
+              <a:buFont typeface="Arial"/>
+              <a:buChar char="•"/>
+            </a:pPr>
+            <a:r>
+              <a:rPr lang="en-US" sz="4400" dirty="0">
+                <a:ea typeface="Calibri"/>
+                <a:cs typeface="Calibri"/>
+              </a:rPr>
+              <a:t>Lowered from 3 million to around 4000.</a:t>
+            </a:r>
+          </a:p>
+          <a:p>
+            <a:pPr marL="571500" indent="-571500">
+              <a:buFont typeface="Arial"/>
+              <a:buChar char="•"/>
+            </a:pPr>
+            <a:endParaRPr lang="en-US" sz="4400" dirty="0">
+              <a:ea typeface="Calibri"/>
+              <a:cs typeface="Calibri"/>
+            </a:endParaRPr>
+          </a:p>
+          <a:p>
+            <a:pPr marL="571500" indent="-571500">
+              <a:buFont typeface="Arial"/>
+              <a:buChar char="•"/>
+            </a:pPr>
+            <a:endParaRPr lang="en-US" sz="4400" dirty="0">
+              <a:ea typeface="Calibri"/>
+              <a:cs typeface="Calibri"/>
+            </a:endParaRPr>
           </a:p>
         </p:txBody>
       </p:sp>
@@ -3865,10 +3663,458 @@
       </p:sp>
       <p:sp>
         <p:nvSpPr>
-          <p:cNvPr id="11" name="Rectangle 10">
+          <p:cNvPr id="15" name="TextBox 14">
             <a:extLst>
               <a:ext uri="{FF2B5EF4-FFF2-40B4-BE49-F238E27FC236}">
-                <a16:creationId xmlns:a16="http://schemas.microsoft.com/office/drawing/2014/main" id="{B1886E6E-E523-A187-D243-491050DD5642}"/>
+                <a16:creationId xmlns:a16="http://schemas.microsoft.com/office/drawing/2014/main" id="{2ED22D66-BFB9-9C22-F9B8-A706AAED48EA}"/>
+              </a:ext>
+            </a:extLst>
+          </p:cNvPr>
+          <p:cNvSpPr txBox="1"/>
+          <p:nvPr/>
+        </p:nvSpPr>
+        <p:spPr>
+          <a:xfrm>
+            <a:off x="15439184" y="12443033"/>
+            <a:ext cx="12711119" cy="9325630"/>
+          </a:xfrm>
+          <a:prstGeom prst="rect">
+            <a:avLst/>
+          </a:prstGeom>
+          <a:noFill/>
+        </p:spPr>
+        <p:txBody>
+          <a:bodyPr rot="0" spcFirstLastPara="0" vertOverflow="overflow" horzOverflow="overflow" vert="horz" wrap="square" lIns="91440" tIns="45720" rIns="91440" bIns="45720" numCol="1" spcCol="0" rtlCol="0" fromWordArt="0" anchor="t" anchorCtr="0" forceAA="0" compatLnSpc="1">
+            <a:prstTxWarp prst="textNoShape">
+              <a:avLst/>
+            </a:prstTxWarp>
+            <a:spAutoFit/>
+          </a:bodyPr>
+          <a:lstStyle/>
+          <a:p>
+            <a:pPr algn="ctr"/>
+            <a:endParaRPr lang="en-US" sz="7200" dirty="0">
+              <a:latin typeface="Garamond"/>
+              <a:ea typeface="Calibri"/>
+              <a:cs typeface="Calibri"/>
+            </a:endParaRPr>
+          </a:p>
+          <a:p>
+            <a:pPr marL="571500" indent="-571500">
+              <a:buFont typeface="Arial"/>
+              <a:buChar char="•"/>
+            </a:pPr>
+            <a:r>
+              <a:rPr lang="en-US" sz="4400" dirty="0">
+                <a:ea typeface="+mn-lt"/>
+                <a:cs typeface="+mn-lt"/>
+              </a:rPr>
+              <a:t>Powerlifting is a strength sport where competitors in the same weight class compete to lift the heaviest weights in squat, bench, and deadlift.</a:t>
+            </a:r>
+            <a:endParaRPr lang="en-US" dirty="0"/>
+          </a:p>
+          <a:p>
+            <a:pPr marL="571500" indent="-571500">
+              <a:buFont typeface="Arial"/>
+              <a:buChar char="•"/>
+            </a:pPr>
+            <a:r>
+              <a:rPr lang="en-US" sz="4400" dirty="0">
+                <a:ea typeface="+mn-lt"/>
+                <a:cs typeface="+mn-lt"/>
+              </a:rPr>
+              <a:t>Competitors use different types of equipment depending on the division: single or multi-ply wraps, sleeves, or nothing (raw).</a:t>
+            </a:r>
+            <a:endParaRPr lang="en-US" sz="4400" dirty="0">
+              <a:ea typeface="Calibri" panose="020F0502020204030204"/>
+              <a:cs typeface="Calibri" panose="020F0502020204030204"/>
+            </a:endParaRPr>
+          </a:p>
+          <a:p>
+            <a:pPr marL="571500" indent="-571500">
+              <a:buFont typeface="Arial"/>
+              <a:buChar char="•"/>
+            </a:pPr>
+            <a:r>
+              <a:rPr lang="en-US" sz="4400" dirty="0">
+                <a:ea typeface="+mn-lt"/>
+                <a:cs typeface="+mn-lt"/>
+              </a:rPr>
+              <a:t>Operation: Judge will give specific commands tailored to each lift, and the lifter is required to follow them to receive approval from all 3 judges.</a:t>
+            </a:r>
+            <a:endParaRPr lang="en-US" sz="4400" dirty="0">
+              <a:ea typeface="Calibri"/>
+              <a:cs typeface="Calibri"/>
+            </a:endParaRPr>
+          </a:p>
+          <a:p>
+            <a:pPr marL="571500" indent="-571500">
+              <a:buFont typeface="Arial"/>
+              <a:buChar char="•"/>
+            </a:pPr>
+            <a:r>
+              <a:rPr lang="en-US" sz="4400" dirty="0">
+                <a:ea typeface="+mn-lt"/>
+                <a:cs typeface="+mn-lt"/>
+              </a:rPr>
+              <a:t>Data is still recorded even if a lifter doesn't finish or  is disqualified. </a:t>
+            </a:r>
+            <a:endParaRPr lang="en-US" sz="4400" dirty="0">
+              <a:ea typeface="Calibri" panose="020F0502020204030204"/>
+              <a:cs typeface="Calibri" panose="020F0502020204030204"/>
+            </a:endParaRPr>
+          </a:p>
+          <a:p>
+            <a:endParaRPr lang="en-US" sz="4400" dirty="0">
+              <a:latin typeface="Calibri"/>
+              <a:ea typeface="Calibri"/>
+              <a:cs typeface="Calibri"/>
+            </a:endParaRPr>
+          </a:p>
+        </p:txBody>
+      </p:sp>
+      <p:sp>
+        <p:nvSpPr>
+          <p:cNvPr id="18" name="TextBox 17">
+            <a:extLst>
+              <a:ext uri="{FF2B5EF4-FFF2-40B4-BE49-F238E27FC236}">
+                <a16:creationId xmlns:a16="http://schemas.microsoft.com/office/drawing/2014/main" id="{7B9353E3-9041-1A4D-98C1-58D5DD66ABB7}"/>
+              </a:ext>
+            </a:extLst>
+          </p:cNvPr>
+          <p:cNvSpPr txBox="1"/>
+          <p:nvPr/>
+        </p:nvSpPr>
+        <p:spPr>
+          <a:xfrm>
+            <a:off x="1036912" y="6987172"/>
+            <a:ext cx="13137682" cy="10109615"/>
+          </a:xfrm>
+          <a:prstGeom prst="rect">
+            <a:avLst/>
+          </a:prstGeom>
+          <a:noFill/>
+        </p:spPr>
+        <p:txBody>
+          <a:bodyPr wrap="square" lIns="91440" tIns="45720" rIns="91440" bIns="45720" rtlCol="0" anchor="t">
+            <a:spAutoFit/>
+          </a:bodyPr>
+          <a:lstStyle/>
+          <a:p>
+            <a:pPr algn="ctr"/>
+            <a:endParaRPr lang="en-US" sz="7200" dirty="0">
+              <a:latin typeface="Garamond"/>
+            </a:endParaRPr>
+          </a:p>
+          <a:p>
+            <a:pPr marL="571500" indent="-571500">
+              <a:buFont typeface="Arial"/>
+              <a:buChar char="•"/>
+            </a:pPr>
+            <a:r>
+              <a:rPr lang="en-US" sz="4400" dirty="0">
+                <a:ea typeface="Calibri"/>
+                <a:cs typeface="Calibri"/>
+              </a:rPr>
+              <a:t>The goal of this module is to create a model use Age and Sex as predictors for </a:t>
+            </a:r>
+            <a:r>
+              <a:rPr lang="en-US" sz="4400" dirty="0" err="1">
+                <a:ea typeface="Calibri"/>
+                <a:cs typeface="Calibri"/>
+              </a:rPr>
+              <a:t>BestDeadliftKg</a:t>
+            </a:r>
+            <a:r>
+              <a:rPr lang="en-US" sz="4400" dirty="0">
+                <a:ea typeface="Calibri"/>
+                <a:cs typeface="Calibri"/>
+              </a:rPr>
+              <a:t>.</a:t>
+            </a:r>
+          </a:p>
+          <a:p>
+            <a:pPr marL="571500" indent="-571500">
+              <a:buFont typeface="Arial"/>
+              <a:buChar char="•"/>
+            </a:pPr>
+            <a:r>
+              <a:rPr lang="en-US" sz="4400" dirty="0">
+                <a:ea typeface="Calibri"/>
+                <a:cs typeface="Calibri"/>
+              </a:rPr>
+              <a:t>We want to see if Age has an effect on the heaviest weight lifted for a contestant.</a:t>
+            </a:r>
+          </a:p>
+          <a:p>
+            <a:endParaRPr lang="en-US" sz="4400" b="1">
+              <a:ea typeface="Calibri"/>
+              <a:cs typeface="Calibri"/>
+            </a:endParaRPr>
+          </a:p>
+          <a:p>
+            <a:endParaRPr lang="en-US" sz="4400">
+              <a:latin typeface="Garamond" panose="02020404030301010803" pitchFamily="18" charset="0"/>
+              <a:ea typeface="Calibri" panose="020F0502020204030204"/>
+              <a:cs typeface="Calibri" panose="020F0502020204030204"/>
+            </a:endParaRPr>
+          </a:p>
+          <a:p>
+            <a:endParaRPr lang="en-US" sz="4400">
+              <a:latin typeface="Garamond" panose="02020404030301010803" pitchFamily="18" charset="0"/>
+              <a:ea typeface="Calibri" panose="020F0502020204030204"/>
+              <a:cs typeface="Calibri" panose="020F0502020204030204"/>
+            </a:endParaRPr>
+          </a:p>
+          <a:p>
+            <a:endParaRPr lang="en-US" sz="4400">
+              <a:latin typeface="Garamond" panose="02020404030301010803" pitchFamily="18" charset="0"/>
+              <a:ea typeface="Calibri" panose="020F0502020204030204"/>
+              <a:cs typeface="Calibri" panose="020F0502020204030204"/>
+            </a:endParaRPr>
+          </a:p>
+          <a:p>
+            <a:endParaRPr lang="en-US" sz="4400">
+              <a:latin typeface="Garamond" panose="02020404030301010803" pitchFamily="18" charset="0"/>
+              <a:ea typeface="Calibri" panose="020F0502020204030204"/>
+              <a:cs typeface="Calibri" panose="020F0502020204030204"/>
+            </a:endParaRPr>
+          </a:p>
+          <a:p>
+            <a:endParaRPr lang="en-US" sz="4400">
+              <a:latin typeface="Garamond" panose="02020404030301010803" pitchFamily="18" charset="0"/>
+              <a:ea typeface="Calibri" panose="020F0502020204030204"/>
+              <a:cs typeface="Calibri" panose="020F0502020204030204"/>
+            </a:endParaRPr>
+          </a:p>
+          <a:p>
+            <a:endParaRPr lang="en-US" sz="4400">
+              <a:latin typeface="Garamond" panose="02020404030301010803" pitchFamily="18" charset="0"/>
+              <a:ea typeface="Calibri" panose="020F0502020204030204"/>
+              <a:cs typeface="Calibri" panose="020F0502020204030204"/>
+            </a:endParaRPr>
+          </a:p>
+          <a:p>
+            <a:endParaRPr lang="en-US" sz="4400">
+              <a:latin typeface="Garamond" panose="02020404030301010803" pitchFamily="18" charset="0"/>
+              <a:ea typeface="Calibri" panose="020F0502020204030204"/>
+              <a:cs typeface="Calibri" panose="020F0502020204030204"/>
+            </a:endParaRPr>
+          </a:p>
+          <a:p>
+            <a:endParaRPr lang="en-US" sz="4400">
+              <a:solidFill>
+                <a:srgbClr val="FFFFFF"/>
+              </a:solidFill>
+              <a:latin typeface="Garamond" panose="02020404030301010803" pitchFamily="18" charset="0"/>
+              <a:ea typeface="Calibri" panose="020F0502020204030204"/>
+              <a:cs typeface="Calibri" panose="020F0502020204030204"/>
+            </a:endParaRPr>
+          </a:p>
+        </p:txBody>
+      </p:sp>
+      <p:sp>
+        <p:nvSpPr>
+          <p:cNvPr id="6" name="TextBox 5">
+            <a:extLst>
+              <a:ext uri="{FF2B5EF4-FFF2-40B4-BE49-F238E27FC236}">
+                <a16:creationId xmlns:a16="http://schemas.microsoft.com/office/drawing/2014/main" id="{13AAE725-BF74-3E77-1047-09B161B001BC}"/>
+              </a:ext>
+            </a:extLst>
+          </p:cNvPr>
+          <p:cNvSpPr txBox="1"/>
+          <p:nvPr/>
+        </p:nvSpPr>
+        <p:spPr>
+          <a:xfrm>
+            <a:off x="1086776" y="19757556"/>
+            <a:ext cx="12686904" cy="14311610"/>
+          </a:xfrm>
+          <a:prstGeom prst="rect">
+            <a:avLst/>
+          </a:prstGeom>
+          <a:noFill/>
+        </p:spPr>
+        <p:txBody>
+          <a:bodyPr rot="0" spcFirstLastPara="0" vertOverflow="overflow" horzOverflow="overflow" vert="horz" wrap="square" lIns="91440" tIns="45720" rIns="91440" bIns="45720" numCol="1" spcCol="0" rtlCol="0" fromWordArt="0" anchor="t" anchorCtr="0" forceAA="0" compatLnSpc="1">
+            <a:prstTxWarp prst="textNoShape">
+              <a:avLst/>
+            </a:prstTxWarp>
+            <a:spAutoFit/>
+          </a:bodyPr>
+          <a:lstStyle/>
+          <a:p>
+            <a:pPr marL="571500" indent="-571500">
+              <a:buFont typeface="Arial"/>
+              <a:buChar char="•"/>
+            </a:pPr>
+            <a:r>
+              <a:rPr lang="en-US" sz="4400" dirty="0">
+                <a:ea typeface="Calibri"/>
+                <a:cs typeface="Calibri"/>
+              </a:rPr>
+              <a:t>Students will establish 4th order polynomial graphs for each sex.</a:t>
+            </a:r>
+            <a:endParaRPr lang="en-US"/>
+          </a:p>
+          <a:p>
+            <a:pPr marL="571500" indent="-571500">
+              <a:buFont typeface="Arial"/>
+              <a:buChar char="•"/>
+            </a:pPr>
+            <a:r>
+              <a:rPr lang="en-US" sz="4400" dirty="0">
+                <a:ea typeface="Calibri"/>
+                <a:cs typeface="Calibri"/>
+              </a:rPr>
+              <a:t>Using the graphs, they will determine the peak values of the curves and compare between sexes.</a:t>
+            </a:r>
+          </a:p>
+          <a:p>
+            <a:pPr marL="2414905" lvl="1" indent="-571500">
+              <a:buFont typeface="Arial"/>
+              <a:buChar char="•"/>
+            </a:pPr>
+            <a:r>
+              <a:rPr lang="en-US" sz="4400" dirty="0">
+                <a:ea typeface="Calibri"/>
+                <a:cs typeface="Calibri"/>
+              </a:rPr>
+              <a:t>This will give insight into which age results in the maximum weight lifted for each sex.</a:t>
+            </a:r>
+          </a:p>
+          <a:p>
+            <a:pPr marL="571500" indent="-571500">
+              <a:buFont typeface="Arial"/>
+              <a:buChar char="•"/>
+            </a:pPr>
+            <a:r>
+              <a:rPr lang="en-US" sz="4400" dirty="0">
+                <a:ea typeface="Calibri"/>
+                <a:cs typeface="Calibri"/>
+              </a:rPr>
+              <a:t>Students will be introduced to the concept of indicator variables (for Sex) and choosing which polynomial model best fits given the two different curves.</a:t>
+            </a:r>
+          </a:p>
+          <a:p>
+            <a:pPr marL="2414905" lvl="1" indent="-571500">
+              <a:buFont typeface="Arial"/>
+              <a:buChar char="•"/>
+            </a:pPr>
+            <a:r>
+              <a:rPr lang="en-US" sz="4400" dirty="0">
+                <a:ea typeface="Calibri"/>
+                <a:cs typeface="Calibri"/>
+              </a:rPr>
+              <a:t>The conclusion should be that the highest order gets chosen.</a:t>
+            </a:r>
+          </a:p>
+          <a:p>
+            <a:pPr marL="2414905" lvl="1" indent="-571500">
+              <a:buFont typeface="Arial"/>
+              <a:buChar char="•"/>
+            </a:pPr>
+            <a:endParaRPr lang="en-US" sz="4400" dirty="0">
+              <a:ea typeface="Calibri"/>
+              <a:cs typeface="Calibri"/>
+            </a:endParaRPr>
+          </a:p>
+          <a:p>
+            <a:r>
+              <a:rPr lang="en-US" sz="4400" dirty="0">
+                <a:ea typeface="Calibri"/>
+                <a:cs typeface="Calibri"/>
+              </a:rPr>
+              <a:t>Future Work:</a:t>
+            </a:r>
+          </a:p>
+          <a:p>
+            <a:pPr marL="571500" indent="-571500">
+              <a:buFont typeface="Arial"/>
+              <a:buChar char="•"/>
+            </a:pPr>
+            <a:r>
+              <a:rPr lang="en-US" sz="4400" dirty="0">
+                <a:ea typeface="Calibri"/>
+                <a:cs typeface="Calibri"/>
+              </a:rPr>
+              <a:t>Introduce lifespan double exponential model as an introduction to the topic of non-linear regression as a way to model data.</a:t>
+            </a:r>
+          </a:p>
+          <a:p>
+            <a:pPr marL="571500" indent="-571500">
+              <a:buFont typeface="Arial"/>
+              <a:buChar char="•"/>
+            </a:pPr>
+            <a:endParaRPr lang="en-US" sz="4400" dirty="0">
+              <a:ea typeface="Calibri"/>
+              <a:cs typeface="Calibri"/>
+            </a:endParaRPr>
+          </a:p>
+          <a:p>
+            <a:pPr marL="571500" indent="-571500">
+              <a:buFont typeface="Arial"/>
+              <a:buChar char="•"/>
+            </a:pPr>
+            <a:endParaRPr lang="en-US" sz="4400" dirty="0">
+              <a:ea typeface="Calibri"/>
+              <a:cs typeface="Calibri"/>
+            </a:endParaRPr>
+          </a:p>
+          <a:p>
+            <a:pPr marL="571500" indent="-571500">
+              <a:buFont typeface="Arial"/>
+              <a:buChar char="•"/>
+            </a:pPr>
+            <a:endParaRPr lang="en-US" sz="4400" dirty="0">
+              <a:ea typeface="Calibri"/>
+              <a:cs typeface="Calibri"/>
+            </a:endParaRPr>
+          </a:p>
+          <a:p>
+            <a:endParaRPr lang="en-US" sz="4400" dirty="0">
+              <a:ea typeface="Calibri"/>
+              <a:cs typeface="Calibri"/>
+            </a:endParaRPr>
+          </a:p>
+        </p:txBody>
+      </p:sp>
+      <p:pic>
+        <p:nvPicPr>
+          <p:cNvPr id="7" name="Picture 6">
+            <a:extLst>
+              <a:ext uri="{FF2B5EF4-FFF2-40B4-BE49-F238E27FC236}">
+                <a16:creationId xmlns:a16="http://schemas.microsoft.com/office/drawing/2014/main" id="{91C60A8D-EF3B-7D27-FE3A-0C1C57F69794}"/>
+              </a:ext>
+            </a:extLst>
+          </p:cNvPr>
+          <p:cNvPicPr>
+            <a:picLocks noChangeAspect="1"/>
+          </p:cNvPicPr>
+          <p:nvPr/>
+        </p:nvPicPr>
+        <p:blipFill>
+          <a:blip r:embed="rId4"/>
+          <a:stretch>
+            <a:fillRect/>
+          </a:stretch>
+        </p:blipFill>
+        <p:spPr>
+          <a:xfrm>
+            <a:off x="1286804" y="11377243"/>
+            <a:ext cx="12496179" cy="7812602"/>
+          </a:xfrm>
+          <a:prstGeom prst="rect">
+            <a:avLst/>
+          </a:prstGeom>
+        </p:spPr>
+      </p:pic>
+      <p:sp>
+        <p:nvSpPr>
+          <p:cNvPr id="14" name="Rectangle 13">
+            <a:extLst>
+              <a:ext uri="{FF2B5EF4-FFF2-40B4-BE49-F238E27FC236}">
+                <a16:creationId xmlns:a16="http://schemas.microsoft.com/office/drawing/2014/main" id="{7E0CC970-CF63-890D-BDE3-E70C87DBB675}"/>
               </a:ext>
             </a:extLst>
           </p:cNvPr>
@@ -3877,18 +4123,15 @@
         </p:nvSpPr>
         <p:spPr>
           <a:xfrm>
-            <a:off x="15173617" y="14908389"/>
-            <a:ext cx="13321306" cy="17118279"/>
+            <a:off x="29437831" y="6614554"/>
+            <a:ext cx="13344023" cy="25375571"/>
           </a:xfrm>
           <a:prstGeom prst="rect">
             <a:avLst/>
           </a:prstGeom>
-          <a:noFill/>
-          <a:ln>
-            <a:solidFill>
-              <a:schemeClr val="tx1"/>
-            </a:solidFill>
-          </a:ln>
+          <a:solidFill>
+            <a:schemeClr val="bg1"/>
+          </a:solidFill>
         </p:spPr>
         <p:style>
           <a:lnRef idx="2">
@@ -3907,25 +4150,20 @@
           </a:fontRef>
         </p:style>
         <p:txBody>
-          <a:bodyPr lIns="91440" tIns="45720" rIns="91440" bIns="45720" rtlCol="0" anchor="ctr"/>
+          <a:bodyPr rtlCol="0" anchor="ctr"/>
           <a:lstStyle/>
           <a:p>
             <a:pPr algn="ctr"/>
-            <a:endParaRPr lang="en-US" sz="7250">
-              <a:solidFill>
-                <a:srgbClr val="FF0000"/>
-              </a:solidFill>
-              <a:latin typeface="Garamond"/>
-            </a:endParaRPr>
-          </a:p>
-        </p:txBody>
-      </p:sp>
-      <p:sp>
-        <p:nvSpPr>
-          <p:cNvPr id="15" name="TextBox 14">
+            <a:endParaRPr lang="en-US"/>
+          </a:p>
+        </p:txBody>
+      </p:sp>
+      <p:sp>
+        <p:nvSpPr>
+          <p:cNvPr id="19" name="TextBox 18">
             <a:extLst>
               <a:ext uri="{FF2B5EF4-FFF2-40B4-BE49-F238E27FC236}">
-                <a16:creationId xmlns:a16="http://schemas.microsoft.com/office/drawing/2014/main" id="{2ED22D66-BFB9-9C22-F9B8-A706AAED48EA}"/>
+                <a16:creationId xmlns:a16="http://schemas.microsoft.com/office/drawing/2014/main" id="{5589E58F-339C-6426-3F9F-2162B35FCEA5}"/>
               </a:ext>
             </a:extLst>
           </p:cNvPr>
@@ -3934,8 +4172,8 @@
         </p:nvSpPr>
         <p:spPr>
           <a:xfrm>
-            <a:off x="15538038" y="14914384"/>
-            <a:ext cx="12711119" cy="7294305"/>
+            <a:off x="29787071" y="7094049"/>
+            <a:ext cx="12781423" cy="12649617"/>
           </a:xfrm>
           <a:prstGeom prst="rect">
             <a:avLst/>
@@ -3943,6 +4181,191 @@
           <a:noFill/>
         </p:spPr>
         <p:txBody>
+          <a:bodyPr wrap="square" lIns="91440" tIns="45720" rIns="91440" bIns="45720" rtlCol="0" anchor="t">
+            <a:spAutoFit/>
+          </a:bodyPr>
+          <a:lstStyle/>
+          <a:p>
+            <a:pPr algn="ctr"/>
+            <a:endParaRPr lang="en-US" sz="7200" dirty="0">
+              <a:latin typeface="Garamond"/>
+            </a:endParaRPr>
+          </a:p>
+          <a:p>
+            <a:r>
+              <a:rPr lang="en-US" sz="4400" dirty="0">
+                <a:ea typeface="Calibri"/>
+                <a:cs typeface="Calibri"/>
+              </a:rPr>
+              <a:t>Goal: Model how Age impacts strength performance in elite vs. non-elite lifters.</a:t>
+            </a:r>
+          </a:p>
+          <a:p>
+            <a:r>
+              <a:rPr lang="en-US" sz="4400" dirty="0">
+                <a:ea typeface="Calibri"/>
+                <a:cs typeface="Calibri"/>
+              </a:rPr>
+              <a:t>Model: Quantile Regression</a:t>
+            </a:r>
+          </a:p>
+          <a:p>
+            <a:pPr marL="571500" indent="-571500">
+              <a:buFont typeface="Arial"/>
+              <a:buChar char="•"/>
+            </a:pPr>
+            <a:r>
+              <a:rPr lang="en-US" sz="4400" dirty="0">
+                <a:ea typeface="Calibri"/>
+                <a:cs typeface="Calibri"/>
+              </a:rPr>
+              <a:t>4th order polynomial</a:t>
+            </a:r>
+          </a:p>
+          <a:p>
+            <a:pPr marL="571500" indent="-571500">
+              <a:buFont typeface="Arial"/>
+              <a:buChar char="•"/>
+            </a:pPr>
+            <a:r>
+              <a:rPr lang="en-US" sz="4400" dirty="0">
+                <a:ea typeface="Calibri"/>
+                <a:cs typeface="Calibri"/>
+              </a:rPr>
+              <a:t>90th percentile = elite</a:t>
+            </a:r>
+          </a:p>
+          <a:p>
+            <a:pPr marL="571500" indent="-571500">
+              <a:buFont typeface="Arial"/>
+              <a:buChar char="•"/>
+            </a:pPr>
+            <a:r>
+              <a:rPr lang="en-US" sz="4400" dirty="0">
+                <a:ea typeface="Calibri"/>
+                <a:cs typeface="Calibri"/>
+              </a:rPr>
+              <a:t>10th percentile = non-elite</a:t>
+            </a:r>
+          </a:p>
+          <a:p>
+            <a:pPr marL="2414905" lvl="1" indent="-571500">
+              <a:buFont typeface="Arial"/>
+              <a:buChar char="•"/>
+            </a:pPr>
+            <a:endParaRPr lang="en-US" sz="4000" dirty="0">
+              <a:ea typeface="Calibri"/>
+              <a:cs typeface="Calibri"/>
+            </a:endParaRPr>
+          </a:p>
+          <a:p>
+            <a:pPr marL="571500" indent="-571500">
+              <a:buFont typeface="Arial"/>
+              <a:buChar char="•"/>
+            </a:pPr>
+            <a:endParaRPr lang="en-US" sz="4400" dirty="0">
+              <a:latin typeface="Calibri" panose="020F0502020204030204"/>
+              <a:ea typeface="Calibri" panose="020F0502020204030204"/>
+              <a:cs typeface="Calibri" panose="020F0502020204030204"/>
+            </a:endParaRPr>
+          </a:p>
+          <a:p>
+            <a:endParaRPr lang="en-US" sz="4400" b="1">
+              <a:latin typeface="Calibri" panose="020F0502020204030204"/>
+              <a:ea typeface="Calibri" panose="020F0502020204030204"/>
+              <a:cs typeface="Calibri" panose="020F0502020204030204"/>
+            </a:endParaRPr>
+          </a:p>
+          <a:p>
+            <a:endParaRPr lang="en-US" sz="4400">
+              <a:latin typeface="Garamond" panose="02020404030301010803" pitchFamily="18" charset="0"/>
+              <a:ea typeface="Calibri" panose="020F0502020204030204"/>
+              <a:cs typeface="Calibri" panose="020F0502020204030204"/>
+            </a:endParaRPr>
+          </a:p>
+          <a:p>
+            <a:endParaRPr lang="en-US" sz="4400">
+              <a:latin typeface="Garamond" panose="02020404030301010803" pitchFamily="18" charset="0"/>
+              <a:ea typeface="Calibri" panose="020F0502020204030204"/>
+              <a:cs typeface="Calibri" panose="020F0502020204030204"/>
+            </a:endParaRPr>
+          </a:p>
+          <a:p>
+            <a:endParaRPr lang="en-US" sz="4400">
+              <a:latin typeface="Garamond" panose="02020404030301010803" pitchFamily="18" charset="0"/>
+              <a:ea typeface="Calibri" panose="020F0502020204030204"/>
+              <a:cs typeface="Calibri" panose="020F0502020204030204"/>
+            </a:endParaRPr>
+          </a:p>
+          <a:p>
+            <a:endParaRPr lang="en-US" sz="4400">
+              <a:latin typeface="Garamond" panose="02020404030301010803" pitchFamily="18" charset="0"/>
+              <a:ea typeface="Calibri" panose="020F0502020204030204"/>
+              <a:cs typeface="Calibri" panose="020F0502020204030204"/>
+            </a:endParaRPr>
+          </a:p>
+          <a:p>
+            <a:endParaRPr lang="en-US" sz="4400">
+              <a:latin typeface="Garamond" panose="02020404030301010803" pitchFamily="18" charset="0"/>
+              <a:ea typeface="Calibri" panose="020F0502020204030204"/>
+              <a:cs typeface="Calibri" panose="020F0502020204030204"/>
+            </a:endParaRPr>
+          </a:p>
+          <a:p>
+            <a:endParaRPr lang="en-US" sz="4400">
+              <a:solidFill>
+                <a:srgbClr val="000000"/>
+              </a:solidFill>
+              <a:latin typeface="Garamond" panose="02020404030301010803" pitchFamily="18" charset="0"/>
+              <a:ea typeface="Calibri" panose="020F0502020204030204"/>
+              <a:cs typeface="Calibri" panose="020F0502020204030204"/>
+            </a:endParaRPr>
+          </a:p>
+          <a:p>
+            <a:endParaRPr lang="en-US" sz="4400">
+              <a:solidFill>
+                <a:srgbClr val="000000"/>
+              </a:solidFill>
+              <a:latin typeface="Garamond" panose="02020404030301010803" pitchFamily="18" charset="0"/>
+              <a:ea typeface="Calibri" panose="020F0502020204030204"/>
+              <a:cs typeface="Calibri" panose="020F0502020204030204"/>
+            </a:endParaRPr>
+          </a:p>
+          <a:p>
+            <a:endParaRPr lang="en-US" sz="4400">
+              <a:solidFill>
+                <a:srgbClr val="FFFFFF"/>
+              </a:solidFill>
+              <a:latin typeface="Garamond" panose="02020404030301010803" pitchFamily="18" charset="0"/>
+              <a:ea typeface="Calibri" panose="020F0502020204030204"/>
+              <a:cs typeface="Calibri" panose="020F0502020204030204"/>
+            </a:endParaRPr>
+          </a:p>
+        </p:txBody>
+      </p:sp>
+      <p:sp>
+        <p:nvSpPr>
+          <p:cNvPr id="22" name="TextBox 21">
+            <a:extLst>
+              <a:ext uri="{FF2B5EF4-FFF2-40B4-BE49-F238E27FC236}">
+                <a16:creationId xmlns:a16="http://schemas.microsoft.com/office/drawing/2014/main" id="{79A0440D-7E32-8F3D-B657-35260DF980E1}"/>
+              </a:ext>
+            </a:extLst>
+          </p:cNvPr>
+          <p:cNvSpPr txBox="1"/>
+          <p:nvPr/>
+        </p:nvSpPr>
+        <p:spPr>
+          <a:xfrm>
+            <a:off x="29801309" y="26312734"/>
+            <a:ext cx="12330646" cy="8894743"/>
+          </a:xfrm>
+          <a:prstGeom prst="rect">
+            <a:avLst/>
+          </a:prstGeom>
+          <a:noFill/>
+        </p:spPr>
+        <p:txBody>
           <a:bodyPr rot="0" spcFirstLastPara="0" vertOverflow="overflow" horzOverflow="overflow" vert="horz" wrap="square" lIns="91440" tIns="45720" rIns="91440" bIns="45720" numCol="1" spcCol="0" rtlCol="0" fromWordArt="0" anchor="t" anchorCtr="0" forceAA="0" compatLnSpc="1">
             <a:prstTxWarp prst="textNoShape">
               <a:avLst/>
@@ -3951,14 +4374,12 @@
           </a:bodyPr>
           <a:lstStyle/>
           <a:p>
-            <a:pPr algn="ctr"/>
-            <a:r>
-              <a:rPr lang="en-US" sz="7200" dirty="0">
-                <a:latin typeface="Garamond"/>
+            <a:r>
+              <a:rPr lang="en-US" sz="4400" dirty="0">
                 <a:ea typeface="Calibri"/>
                 <a:cs typeface="Calibri"/>
               </a:rPr>
-              <a:t>Powerlifting:</a:t>
+              <a:t>Analysis:</a:t>
             </a:r>
           </a:p>
           <a:p>
@@ -3968,11 +4389,10 @@
             </a:pPr>
             <a:r>
               <a:rPr lang="en-US" sz="4400" dirty="0">
-                <a:latin typeface="Calibri"/>
                 <a:ea typeface="Calibri"/>
                 <a:cs typeface="Calibri"/>
               </a:rPr>
-              <a:t>Lifting sport where competitors in the same weight classes compete to lift the heaviest amount of weights</a:t>
+              <a:t>Elite lifters develop faster than non-elites.</a:t>
             </a:r>
           </a:p>
           <a:p>
@@ -3982,11 +4402,10 @@
             </a:pPr>
             <a:r>
               <a:rPr lang="en-US" sz="4400" dirty="0">
-                <a:latin typeface="Calibri"/>
                 <a:ea typeface="Calibri"/>
                 <a:cs typeface="Calibri"/>
               </a:rPr>
-              <a:t>3 different categories of powerlifting: Bench, Squat, Deadlift</a:t>
+              <a:t>Both groups peak between ages 24–35.</a:t>
             </a:r>
           </a:p>
           <a:p>
@@ -3996,51 +4415,115 @@
             </a:pPr>
             <a:r>
               <a:rPr lang="en-US" sz="4400" dirty="0">
-                <a:latin typeface="Calibri"/>
                 <a:ea typeface="Calibri"/>
                 <a:cs typeface="Calibri"/>
               </a:rPr>
-              <a:t>Different types of equipment</a:t>
-            </a:r>
-          </a:p>
-          <a:p>
+              <a:t>Decline occurs at a similar rate for both.</a:t>
+            </a:r>
+            <a:endParaRPr lang="en-US" dirty="0"/>
+          </a:p>
+          <a:p>
+            <a:pPr marL="571500" indent="-571500">
+              <a:buFont typeface="Arial"/>
+              <a:buChar char="•"/>
+            </a:pPr>
             <a:r>
               <a:rPr lang="en-US" sz="4400" dirty="0">
-                <a:latin typeface="Calibri"/>
-                <a:ea typeface="Calibri"/>
-                <a:cs typeface="Calibri"/>
+                <a:ea typeface="Calibri" panose="020F0502020204030204"/>
+                <a:cs typeface="Calibri" panose="020F0502020204030204"/>
               </a:rPr>
-              <a:t>*</a:t>
+              <a:t>Key difference lies in the developmental phase.</a:t>
             </a:r>
           </a:p>
           <a:p>
             <a:r>
               <a:rPr lang="en-US" sz="4400" dirty="0">
-                <a:latin typeface="Calibri"/>
-                <a:ea typeface="Calibri"/>
-                <a:cs typeface="Calibri"/>
+                <a:ea typeface="Calibri" panose="020F0502020204030204"/>
+                <a:cs typeface="Calibri" panose="020F0502020204030204"/>
               </a:rPr>
-              <a:t>*</a:t>
-            </a:r>
-          </a:p>
-          <a:p>
+              <a:t>Future Work:</a:t>
+            </a:r>
+          </a:p>
+          <a:p>
+            <a:pPr marL="571500" indent="-571500">
+              <a:buFont typeface="Arial"/>
+              <a:buChar char="•"/>
+            </a:pPr>
             <a:r>
               <a:rPr lang="en-US" sz="4400" dirty="0">
-                <a:latin typeface="Calibri"/>
-                <a:ea typeface="Calibri"/>
-                <a:cs typeface="Calibri"/>
+                <a:ea typeface="Calibri" panose="020F0502020204030204"/>
+                <a:cs typeface="Calibri" panose="020F0502020204030204"/>
               </a:rPr>
-              <a:t>*</a:t>
-            </a:r>
+              <a:t>Model individual lifters (multi-level).</a:t>
+            </a:r>
+          </a:p>
+          <a:p>
+            <a:pPr marL="571500" indent="-571500">
+              <a:buFont typeface="Arial"/>
+              <a:buChar char="•"/>
+            </a:pPr>
+            <a:r>
+              <a:rPr lang="en-US" sz="4400" dirty="0">
+                <a:ea typeface="Calibri" panose="020F0502020204030204"/>
+                <a:cs typeface="Calibri" panose="020F0502020204030204"/>
+              </a:rPr>
+              <a:t>Explore: What predicts elite status?</a:t>
+            </a:r>
+          </a:p>
+          <a:p>
+            <a:pPr marL="571500" indent="-571500">
+              <a:buFont typeface="Arial"/>
+              <a:buChar char="•"/>
+            </a:pPr>
+            <a:endParaRPr lang="en-US" sz="4400" dirty="0">
+              <a:ea typeface="Calibri" panose="020F0502020204030204"/>
+              <a:cs typeface="Calibri" panose="020F0502020204030204"/>
+            </a:endParaRPr>
+          </a:p>
+          <a:p>
+            <a:pPr marL="571500" indent="-571500">
+              <a:buFont typeface="Arial"/>
+              <a:buChar char="•"/>
+            </a:pPr>
+            <a:endParaRPr lang="en-US" sz="4400" dirty="0">
+              <a:ea typeface="Calibri" panose="020F0502020204030204"/>
+              <a:cs typeface="Calibri" panose="020F0502020204030204"/>
+            </a:endParaRPr>
+          </a:p>
+          <a:p>
+            <a:pPr marL="571500" indent="-571500">
+              <a:buFont typeface="Arial"/>
+              <a:buChar char="•"/>
+            </a:pPr>
+            <a:endParaRPr lang="en-US" sz="4400" dirty="0">
+              <a:ea typeface="Calibri" panose="020F0502020204030204"/>
+              <a:cs typeface="Calibri" panose="020F0502020204030204"/>
+            </a:endParaRPr>
+          </a:p>
+          <a:p>
+            <a:pPr marL="571500" indent="-571500">
+              <a:buFont typeface="Arial"/>
+              <a:buChar char="•"/>
+            </a:pPr>
+            <a:endParaRPr lang="en-US" sz="4400" dirty="0">
+              <a:ea typeface="Calibri" panose="020F0502020204030204"/>
+              <a:cs typeface="Calibri" panose="020F0502020204030204"/>
+            </a:endParaRPr>
+          </a:p>
+          <a:p>
+            <a:endParaRPr lang="en-US" sz="4400" dirty="0">
+              <a:ea typeface="Calibri" panose="020F0502020204030204"/>
+              <a:cs typeface="Calibri" panose="020F0502020204030204"/>
+            </a:endParaRPr>
           </a:p>
         </p:txBody>
       </p:sp>
       <p:pic>
         <p:nvPicPr>
-          <p:cNvPr id="2" name="Picture 1" descr="A graph with a line going up&#10;&#10;AI-generated content may be incorrect.">
+          <p:cNvPr id="37" name="Picture 36">
             <a:extLst>
               <a:ext uri="{FF2B5EF4-FFF2-40B4-BE49-F238E27FC236}">
-                <a16:creationId xmlns:a16="http://schemas.microsoft.com/office/drawing/2014/main" id="{676CB88F-B7E8-2271-BC32-C9C64F6B3309}"/>
+                <a16:creationId xmlns:a16="http://schemas.microsoft.com/office/drawing/2014/main" id="{8C3DFCF3-DAC9-B037-7233-798399C89238}"/>
               </a:ext>
             </a:extLst>
           </p:cNvPr>
@@ -4050,141 +4533,27 @@
           <p:nvPr/>
         </p:nvPicPr>
         <p:blipFill>
-          <a:blip r:embed="rId3"/>
+          <a:blip r:embed="rId5"/>
           <a:stretch>
             <a:fillRect/>
           </a:stretch>
         </p:blipFill>
         <p:spPr>
           <a:xfrm>
-            <a:off x="1874109" y="11768009"/>
-            <a:ext cx="10041923" cy="6268479"/>
+            <a:off x="31222023" y="12424373"/>
+            <a:ext cx="8736653" cy="13591681"/>
           </a:xfrm>
           <a:prstGeom prst="rect">
             <a:avLst/>
           </a:prstGeom>
         </p:spPr>
       </p:pic>
-      <p:pic>
-        <p:nvPicPr>
-          <p:cNvPr id="3" name="Picture 2">
+      <p:sp>
+        <p:nvSpPr>
+          <p:cNvPr id="38" name="Rectangle 37">
             <a:extLst>
               <a:ext uri="{FF2B5EF4-FFF2-40B4-BE49-F238E27FC236}">
-                <a16:creationId xmlns:a16="http://schemas.microsoft.com/office/drawing/2014/main" id="{A63F7303-032B-4497-1136-156F4B4A68E7}"/>
-              </a:ext>
-            </a:extLst>
-          </p:cNvPr>
-          <p:cNvPicPr>
-            <a:picLocks noChangeAspect="1"/>
-          </p:cNvPicPr>
-          <p:nvPr/>
-        </p:nvPicPr>
-        <p:blipFill>
-          <a:blip r:embed="rId4"/>
-          <a:stretch>
-            <a:fillRect/>
-          </a:stretch>
-        </p:blipFill>
-        <p:spPr>
-          <a:xfrm>
-            <a:off x="4138227" y="19146925"/>
-            <a:ext cx="9764412" cy="6437612"/>
-          </a:xfrm>
-          <a:prstGeom prst="rect">
-            <a:avLst/>
-          </a:prstGeom>
-        </p:spPr>
-      </p:pic>
-      <p:sp>
-        <p:nvSpPr>
-          <p:cNvPr id="6" name="TextBox 5">
-            <a:extLst>
-              <a:ext uri="{FF2B5EF4-FFF2-40B4-BE49-F238E27FC236}">
-                <a16:creationId xmlns:a16="http://schemas.microsoft.com/office/drawing/2014/main" id="{164095AA-A898-572C-326E-7072863FBAFB}"/>
-              </a:ext>
-            </a:extLst>
-          </p:cNvPr>
-          <p:cNvSpPr txBox="1"/>
-          <p:nvPr/>
-        </p:nvSpPr>
-        <p:spPr>
-          <a:xfrm>
-            <a:off x="1819048" y="18169771"/>
-            <a:ext cx="11363571" cy="769441"/>
-          </a:xfrm>
-          <a:prstGeom prst="rect">
-            <a:avLst/>
-          </a:prstGeom>
-          <a:noFill/>
-        </p:spPr>
-        <p:txBody>
-          <a:bodyPr rot="0" spcFirstLastPara="0" vertOverflow="overflow" horzOverflow="overflow" vert="horz" wrap="square" lIns="91440" tIns="45720" rIns="91440" bIns="45720" numCol="1" spcCol="0" rtlCol="0" fromWordArt="0" anchor="t" anchorCtr="0" forceAA="0" compatLnSpc="1">
-            <a:prstTxWarp prst="textNoShape">
-              <a:avLst/>
-            </a:prstTxWarp>
-            <a:spAutoFit/>
-          </a:bodyPr>
-          <a:lstStyle/>
-          <a:p>
-            <a:r>
-              <a:rPr lang="en-US" sz="4400" dirty="0">
-                <a:ea typeface="Calibri"/>
-                <a:cs typeface="Calibri"/>
-              </a:rPr>
-              <a:t>Look at male curve alone first</a:t>
-            </a:r>
-            <a:endParaRPr lang="en-US" sz="4400" dirty="0"/>
-          </a:p>
-        </p:txBody>
-      </p:sp>
-      <p:sp>
-        <p:nvSpPr>
-          <p:cNvPr id="7" name="TextBox 6">
-            <a:extLst>
-              <a:ext uri="{FF2B5EF4-FFF2-40B4-BE49-F238E27FC236}">
-                <a16:creationId xmlns:a16="http://schemas.microsoft.com/office/drawing/2014/main" id="{6200C5AF-02DE-F770-D386-8641195941CC}"/>
-              </a:ext>
-            </a:extLst>
-          </p:cNvPr>
-          <p:cNvSpPr txBox="1"/>
-          <p:nvPr/>
-        </p:nvSpPr>
-        <p:spPr>
-          <a:xfrm>
-            <a:off x="4123490" y="25619396"/>
-            <a:ext cx="9781302" cy="769441"/>
-          </a:xfrm>
-          <a:prstGeom prst="rect">
-            <a:avLst/>
-          </a:prstGeom>
-          <a:noFill/>
-        </p:spPr>
-        <p:txBody>
-          <a:bodyPr rot="0" spcFirstLastPara="0" vertOverflow="overflow" horzOverflow="overflow" vert="horz" wrap="square" lIns="91440" tIns="45720" rIns="91440" bIns="45720" numCol="1" spcCol="0" rtlCol="0" fromWordArt="0" anchor="t" anchorCtr="0" forceAA="0" compatLnSpc="1">
-            <a:prstTxWarp prst="textNoShape">
-              <a:avLst/>
-            </a:prstTxWarp>
-            <a:spAutoFit/>
-          </a:bodyPr>
-          <a:lstStyle/>
-          <a:p>
-            <a:r>
-              <a:rPr lang="en-US" sz="4400" dirty="0">
-                <a:ea typeface="Calibri"/>
-                <a:cs typeface="Calibri"/>
-              </a:rPr>
-              <a:t>Add female curve next</a:t>
-            </a:r>
-            <a:endParaRPr lang="en-US" sz="4400" dirty="0"/>
-          </a:p>
-        </p:txBody>
-      </p:sp>
-      <p:sp>
-        <p:nvSpPr>
-          <p:cNvPr id="8" name="Rectangle 7">
-            <a:extLst>
-              <a:ext uri="{FF2B5EF4-FFF2-40B4-BE49-F238E27FC236}">
-                <a16:creationId xmlns:a16="http://schemas.microsoft.com/office/drawing/2014/main" id="{A73FE359-1B81-217D-B6F5-D444D966CCC0}"/>
+                <a16:creationId xmlns:a16="http://schemas.microsoft.com/office/drawing/2014/main" id="{7E4C5562-EDE8-A4D2-AB39-FF9F17DAEF05}"/>
               </a:ext>
             </a:extLst>
           </p:cNvPr>
@@ -4193,8 +4562,8 @@
         </p:nvSpPr>
         <p:spPr>
           <a:xfrm>
-            <a:off x="867018" y="26387574"/>
-            <a:ext cx="13329421" cy="1438426"/>
+            <a:off x="29439048" y="6652388"/>
+            <a:ext cx="13364690" cy="1438426"/>
           </a:xfrm>
           <a:prstGeom prst="rect">
             <a:avLst/>
@@ -4228,87 +4597,420 @@
           <a:p>
             <a:pPr algn="ctr"/>
             <a:r>
-              <a:rPr lang="en-US" sz="7200" dirty="0">
+              <a:rPr lang="en-US" sz="7250" dirty="0">
                 <a:solidFill>
                   <a:schemeClr val="tx1"/>
                 </a:solidFill>
                 <a:latin typeface="Garamond"/>
-                <a:ea typeface="+mn-lt"/>
+                <a:ea typeface="Calibri"/>
                 <a:cs typeface="Calibri"/>
               </a:rPr>
-              <a:t>Learning Objectives:</a:t>
-            </a:r>
-          </a:p>
-        </p:txBody>
-      </p:sp>
-      <p:sp>
-        <p:nvSpPr>
-          <p:cNvPr id="14" name="TextBox 13">
+              <a:t>Age vs. Strength by Status</a:t>
+            </a:r>
+            <a:endParaRPr lang="en-US" dirty="0">
+              <a:solidFill>
+                <a:schemeClr val="tx1"/>
+              </a:solidFill>
+              <a:latin typeface="Garamond"/>
+            </a:endParaRPr>
+          </a:p>
+        </p:txBody>
+      </p:sp>
+      <p:sp>
+        <p:nvSpPr>
+          <p:cNvPr id="41" name="Rectangle 40">
             <a:extLst>
               <a:ext uri="{FF2B5EF4-FFF2-40B4-BE49-F238E27FC236}">
-                <a16:creationId xmlns:a16="http://schemas.microsoft.com/office/drawing/2014/main" id="{C43D3BD2-F4F0-FE7F-5BA0-96450CFF8172}"/>
+                <a16:creationId xmlns:a16="http://schemas.microsoft.com/office/drawing/2014/main" id="{4A1BFB7E-11DC-D1F2-FB8B-9A562BBF4EFA}"/>
               </a:ext>
             </a:extLst>
           </p:cNvPr>
-          <p:cNvSpPr txBox="1"/>
+          <p:cNvSpPr/>
           <p:nvPr/>
         </p:nvSpPr>
         <p:spPr>
           <a:xfrm>
-            <a:off x="1217588" y="28211189"/>
-            <a:ext cx="12480324" cy="2123658"/>
+            <a:off x="15153032" y="6652388"/>
+            <a:ext cx="13363383" cy="1438426"/>
           </a:xfrm>
           <a:prstGeom prst="rect">
             <a:avLst/>
           </a:prstGeom>
-          <a:noFill/>
+          <a:solidFill>
+            <a:schemeClr val="accent2">
+              <a:lumMod val="20000"/>
+              <a:lumOff val="80000"/>
+            </a:schemeClr>
+          </a:solidFill>
         </p:spPr>
-        <p:txBody>
-          <a:bodyPr rot="0" spcFirstLastPara="0" vertOverflow="overflow" horzOverflow="overflow" vert="horz" wrap="square" lIns="91440" tIns="45720" rIns="91440" bIns="45720" numCol="1" spcCol="0" rtlCol="0" fromWordArt="0" anchor="t" anchorCtr="0" forceAA="0" compatLnSpc="1">
-            <a:prstTxWarp prst="textNoShape">
-              <a:avLst/>
-            </a:prstTxWarp>
-            <a:spAutoFit/>
-          </a:bodyPr>
-          <a:lstStyle/>
-          <a:p>
-            <a:pPr marL="571500" indent="-571500">
-              <a:buFont typeface="Arial"/>
-              <a:buChar char="•"/>
-            </a:pPr>
-            <a:r>
-              <a:rPr lang="en-US" sz="4400" dirty="0">
+        <p:style>
+          <a:lnRef idx="2">
+            <a:schemeClr val="accent1">
+              <a:shade val="15000"/>
+            </a:schemeClr>
+          </a:lnRef>
+          <a:fillRef idx="1">
+            <a:schemeClr val="accent1"/>
+          </a:fillRef>
+          <a:effectRef idx="0">
+            <a:schemeClr val="accent1"/>
+          </a:effectRef>
+          <a:fontRef idx="minor">
+            <a:schemeClr val="lt1"/>
+          </a:fontRef>
+        </p:style>
+        <p:txBody>
+          <a:bodyPr lIns="91440" tIns="45720" rIns="91440" bIns="45720" rtlCol="0" anchor="ctr"/>
+          <a:lstStyle/>
+          <a:p>
+            <a:pPr algn="ctr"/>
+            <a:r>
+              <a:rPr lang="en-US" sz="7250" dirty="0">
+                <a:solidFill>
+                  <a:schemeClr val="tx1"/>
+                </a:solidFill>
+                <a:latin typeface="Garamond"/>
                 <a:ea typeface="Calibri"/>
                 <a:cs typeface="Calibri"/>
               </a:rPr>
-              <a:t>High order models with indicator variables</a:t>
-            </a:r>
-          </a:p>
-          <a:p>
-            <a:pPr marL="571500" indent="-571500">
-              <a:buFont typeface="Arial"/>
-              <a:buChar char="•"/>
-            </a:pPr>
-            <a:r>
-              <a:rPr lang="en-US" sz="4400" dirty="0">
+              <a:t>Score</a:t>
+            </a:r>
+            <a:endParaRPr lang="en-US" dirty="0">
+              <a:solidFill>
+                <a:schemeClr val="tx1"/>
+              </a:solidFill>
+              <a:latin typeface="Garamond"/>
+            </a:endParaRPr>
+          </a:p>
+        </p:txBody>
+      </p:sp>
+      <p:sp>
+        <p:nvSpPr>
+          <p:cNvPr id="42" name="Rectangle 41">
+            <a:extLst>
+              <a:ext uri="{FF2B5EF4-FFF2-40B4-BE49-F238E27FC236}">
+                <a16:creationId xmlns:a16="http://schemas.microsoft.com/office/drawing/2014/main" id="{4BF3469B-D560-3506-4285-F1669DEF8CCD}"/>
+              </a:ext>
+            </a:extLst>
+          </p:cNvPr>
+          <p:cNvSpPr/>
+          <p:nvPr/>
+        </p:nvSpPr>
+        <p:spPr>
+          <a:xfrm>
+            <a:off x="15153034" y="11996284"/>
+            <a:ext cx="13364690" cy="1438426"/>
+          </a:xfrm>
+          <a:prstGeom prst="rect">
+            <a:avLst/>
+          </a:prstGeom>
+          <a:solidFill>
+            <a:schemeClr val="accent2">
+              <a:lumMod val="20000"/>
+              <a:lumOff val="80000"/>
+            </a:schemeClr>
+          </a:solidFill>
+        </p:spPr>
+        <p:style>
+          <a:lnRef idx="2">
+            <a:schemeClr val="accent1">
+              <a:shade val="15000"/>
+            </a:schemeClr>
+          </a:lnRef>
+          <a:fillRef idx="1">
+            <a:schemeClr val="accent1"/>
+          </a:fillRef>
+          <a:effectRef idx="0">
+            <a:schemeClr val="accent1"/>
+          </a:effectRef>
+          <a:fontRef idx="minor">
+            <a:schemeClr val="lt1"/>
+          </a:fontRef>
+        </p:style>
+        <p:txBody>
+          <a:bodyPr lIns="91440" tIns="45720" rIns="91440" bIns="45720" rtlCol="0" anchor="ctr"/>
+          <a:lstStyle/>
+          <a:p>
+            <a:pPr algn="ctr"/>
+            <a:r>
+              <a:rPr lang="en-US" sz="7250" dirty="0">
+                <a:solidFill>
+                  <a:schemeClr val="tx1"/>
+                </a:solidFill>
+                <a:latin typeface="Garamond"/>
                 <a:ea typeface="Calibri"/>
                 <a:cs typeface="Calibri"/>
               </a:rPr>
-              <a:t>Choosing model of best fit</a:t>
-            </a:r>
-          </a:p>
-          <a:p>
-            <a:pPr marL="571500" indent="-571500">
-              <a:buFont typeface="Arial"/>
-              <a:buChar char="•"/>
-            </a:pPr>
-            <a:endParaRPr lang="en-US" sz="4400" dirty="0">
-              <a:ea typeface="Calibri"/>
-              <a:cs typeface="Calibri"/>
+              <a:t>Powerlifting</a:t>
+            </a:r>
+            <a:endParaRPr lang="en-US" dirty="0">
+              <a:solidFill>
+                <a:schemeClr val="tx1"/>
+              </a:solidFill>
+              <a:latin typeface="Garamond"/>
             </a:endParaRPr>
           </a:p>
         </p:txBody>
       </p:sp>
+      <p:sp>
+        <p:nvSpPr>
+          <p:cNvPr id="43" name="Rectangle 42">
+            <a:extLst>
+              <a:ext uri="{FF2B5EF4-FFF2-40B4-BE49-F238E27FC236}">
+                <a16:creationId xmlns:a16="http://schemas.microsoft.com/office/drawing/2014/main" id="{81F8E23B-F519-B9D7-ECE1-C9405975EA41}"/>
+              </a:ext>
+            </a:extLst>
+          </p:cNvPr>
+          <p:cNvSpPr/>
+          <p:nvPr/>
+        </p:nvSpPr>
+        <p:spPr>
+          <a:xfrm>
+            <a:off x="15153034" y="21793427"/>
+            <a:ext cx="13364690" cy="1438426"/>
+          </a:xfrm>
+          <a:prstGeom prst="rect">
+            <a:avLst/>
+          </a:prstGeom>
+          <a:solidFill>
+            <a:schemeClr val="accent2">
+              <a:lumMod val="20000"/>
+              <a:lumOff val="80000"/>
+            </a:schemeClr>
+          </a:solidFill>
+        </p:spPr>
+        <p:style>
+          <a:lnRef idx="2">
+            <a:schemeClr val="accent1">
+              <a:shade val="15000"/>
+            </a:schemeClr>
+          </a:lnRef>
+          <a:fillRef idx="1">
+            <a:schemeClr val="accent1"/>
+          </a:fillRef>
+          <a:effectRef idx="0">
+            <a:schemeClr val="accent1"/>
+          </a:effectRef>
+          <a:fontRef idx="minor">
+            <a:schemeClr val="lt1"/>
+          </a:fontRef>
+        </p:style>
+        <p:txBody>
+          <a:bodyPr lIns="91440" tIns="45720" rIns="91440" bIns="45720" rtlCol="0" anchor="ctr"/>
+          <a:lstStyle/>
+          <a:p>
+            <a:pPr algn="ctr"/>
+            <a:r>
+              <a:rPr lang="en-US" sz="7250" dirty="0">
+                <a:solidFill>
+                  <a:schemeClr val="tx1"/>
+                </a:solidFill>
+                <a:latin typeface="Garamond"/>
+                <a:ea typeface="Calibri"/>
+                <a:cs typeface="Calibri"/>
+              </a:rPr>
+              <a:t>Data Processing</a:t>
+            </a:r>
+            <a:endParaRPr lang="en-US" dirty="0">
+              <a:solidFill>
+                <a:schemeClr val="tx1"/>
+              </a:solidFill>
+              <a:latin typeface="Garamond"/>
+            </a:endParaRPr>
+          </a:p>
+        </p:txBody>
+      </p:sp>
+      <p:sp>
+        <p:nvSpPr>
+          <p:cNvPr id="44" name="Rectangle 43">
+            <a:extLst>
+              <a:ext uri="{FF2B5EF4-FFF2-40B4-BE49-F238E27FC236}">
+                <a16:creationId xmlns:a16="http://schemas.microsoft.com/office/drawing/2014/main" id="{FC640329-B67B-7158-573B-9476D8E345BB}"/>
+              </a:ext>
+            </a:extLst>
+          </p:cNvPr>
+          <p:cNvSpPr/>
+          <p:nvPr/>
+        </p:nvSpPr>
+        <p:spPr>
+          <a:xfrm>
+            <a:off x="867018" y="6616763"/>
+            <a:ext cx="13364690" cy="1438426"/>
+          </a:xfrm>
+          <a:prstGeom prst="rect">
+            <a:avLst/>
+          </a:prstGeom>
+          <a:solidFill>
+            <a:schemeClr val="accent2">
+              <a:lumMod val="20000"/>
+              <a:lumOff val="80000"/>
+            </a:schemeClr>
+          </a:solidFill>
+        </p:spPr>
+        <p:style>
+          <a:lnRef idx="2">
+            <a:schemeClr val="accent1">
+              <a:shade val="15000"/>
+            </a:schemeClr>
+          </a:lnRef>
+          <a:fillRef idx="1">
+            <a:schemeClr val="accent1"/>
+          </a:fillRef>
+          <a:effectRef idx="0">
+            <a:schemeClr val="accent1"/>
+          </a:effectRef>
+          <a:fontRef idx="minor">
+            <a:schemeClr val="lt1"/>
+          </a:fontRef>
+        </p:style>
+        <p:txBody>
+          <a:bodyPr lIns="91440" tIns="45720" rIns="91440" bIns="45720" rtlCol="0" anchor="ctr"/>
+          <a:lstStyle>
+            <a:defPPr>
+              <a:defRPr lang="en-US"/>
+            </a:defPPr>
+            <a:lvl1pPr marL="0" algn="l" defTabSz="3686861" rtl="0" eaLnBrk="1" latinLnBrk="0" hangingPunct="1">
+              <a:defRPr sz="7258" kern="1200">
+                <a:solidFill>
+                  <a:schemeClr val="lt1"/>
+                </a:solidFill>
+                <a:latin typeface="+mn-lt"/>
+                <a:ea typeface="+mn-ea"/>
+                <a:cs typeface="+mn-cs"/>
+              </a:defRPr>
+            </a:lvl1pPr>
+            <a:lvl2pPr marL="1843430" algn="l" defTabSz="3686861" rtl="0" eaLnBrk="1" latinLnBrk="0" hangingPunct="1">
+              <a:defRPr sz="7258" kern="1200">
+                <a:solidFill>
+                  <a:schemeClr val="lt1"/>
+                </a:solidFill>
+                <a:latin typeface="+mn-lt"/>
+                <a:ea typeface="+mn-ea"/>
+                <a:cs typeface="+mn-cs"/>
+              </a:defRPr>
+            </a:lvl2pPr>
+            <a:lvl3pPr marL="3686861" algn="l" defTabSz="3686861" rtl="0" eaLnBrk="1" latinLnBrk="0" hangingPunct="1">
+              <a:defRPr sz="7258" kern="1200">
+                <a:solidFill>
+                  <a:schemeClr val="lt1"/>
+                </a:solidFill>
+                <a:latin typeface="+mn-lt"/>
+                <a:ea typeface="+mn-ea"/>
+                <a:cs typeface="+mn-cs"/>
+              </a:defRPr>
+            </a:lvl3pPr>
+            <a:lvl4pPr marL="5530291" algn="l" defTabSz="3686861" rtl="0" eaLnBrk="1" latinLnBrk="0" hangingPunct="1">
+              <a:defRPr sz="7258" kern="1200">
+                <a:solidFill>
+                  <a:schemeClr val="lt1"/>
+                </a:solidFill>
+                <a:latin typeface="+mn-lt"/>
+                <a:ea typeface="+mn-ea"/>
+                <a:cs typeface="+mn-cs"/>
+              </a:defRPr>
+            </a:lvl4pPr>
+            <a:lvl5pPr marL="7373722" algn="l" defTabSz="3686861" rtl="0" eaLnBrk="1" latinLnBrk="0" hangingPunct="1">
+              <a:defRPr sz="7258" kern="1200">
+                <a:solidFill>
+                  <a:schemeClr val="lt1"/>
+                </a:solidFill>
+                <a:latin typeface="+mn-lt"/>
+                <a:ea typeface="+mn-ea"/>
+                <a:cs typeface="+mn-cs"/>
+              </a:defRPr>
+            </a:lvl5pPr>
+            <a:lvl6pPr marL="9217152" algn="l" defTabSz="3686861" rtl="0" eaLnBrk="1" latinLnBrk="0" hangingPunct="1">
+              <a:defRPr sz="7258" kern="1200">
+                <a:solidFill>
+                  <a:schemeClr val="lt1"/>
+                </a:solidFill>
+                <a:latin typeface="+mn-lt"/>
+                <a:ea typeface="+mn-ea"/>
+                <a:cs typeface="+mn-cs"/>
+              </a:defRPr>
+            </a:lvl6pPr>
+            <a:lvl7pPr marL="11060582" algn="l" defTabSz="3686861" rtl="0" eaLnBrk="1" latinLnBrk="0" hangingPunct="1">
+              <a:defRPr sz="7258" kern="1200">
+                <a:solidFill>
+                  <a:schemeClr val="lt1"/>
+                </a:solidFill>
+                <a:latin typeface="+mn-lt"/>
+                <a:ea typeface="+mn-ea"/>
+                <a:cs typeface="+mn-cs"/>
+              </a:defRPr>
+            </a:lvl7pPr>
+            <a:lvl8pPr marL="12904013" algn="l" defTabSz="3686861" rtl="0" eaLnBrk="1" latinLnBrk="0" hangingPunct="1">
+              <a:defRPr sz="7258" kern="1200">
+                <a:solidFill>
+                  <a:schemeClr val="lt1"/>
+                </a:solidFill>
+                <a:latin typeface="+mn-lt"/>
+                <a:ea typeface="+mn-ea"/>
+                <a:cs typeface="+mn-cs"/>
+              </a:defRPr>
+            </a:lvl8pPr>
+            <a:lvl9pPr marL="14747443" algn="l" defTabSz="3686861" rtl="0" eaLnBrk="1" latinLnBrk="0" hangingPunct="1">
+              <a:defRPr sz="7258" kern="1200">
+                <a:solidFill>
+                  <a:schemeClr val="lt1"/>
+                </a:solidFill>
+                <a:latin typeface="+mn-lt"/>
+                <a:ea typeface="+mn-ea"/>
+                <a:cs typeface="+mn-cs"/>
+              </a:defRPr>
+            </a:lvl9pPr>
+          </a:lstStyle>
+          <a:p>
+            <a:pPr algn="ctr"/>
+            <a:r>
+              <a:rPr lang="en-US" sz="7250" dirty="0">
+                <a:solidFill>
+                  <a:schemeClr val="tx1"/>
+                </a:solidFill>
+                <a:latin typeface="Garamond"/>
+                <a:ea typeface="Calibri"/>
+                <a:cs typeface="Calibri"/>
+              </a:rPr>
+              <a:t>Age vs. Strength by Sex</a:t>
+            </a:r>
+            <a:endParaRPr lang="en-US" dirty="0">
+              <a:solidFill>
+                <a:schemeClr val="tx1"/>
+              </a:solidFill>
+              <a:latin typeface="Garamond"/>
+            </a:endParaRPr>
+          </a:p>
+        </p:txBody>
+      </p:sp>
+      <p:pic>
+        <p:nvPicPr>
+          <p:cNvPr id="46" name="Picture 45" descr="A silhouette of a person lifting a barbell&#10;&#10;AI-generated content may be incorrect.">
+            <a:extLst>
+              <a:ext uri="{FF2B5EF4-FFF2-40B4-BE49-F238E27FC236}">
+                <a16:creationId xmlns:a16="http://schemas.microsoft.com/office/drawing/2014/main" id="{4BB07C37-BDDE-58F3-F67D-53BC81428940}"/>
+              </a:ext>
+            </a:extLst>
+          </p:cNvPr>
+          <p:cNvPicPr>
+            <a:picLocks noChangeAspect="1"/>
+          </p:cNvPicPr>
+          <p:nvPr/>
+        </p:nvPicPr>
+        <p:blipFill>
+          <a:blip r:embed="rId6"/>
+          <a:srcRect l="-935" r="-2804" b="-2299"/>
+          <a:stretch/>
+        </p:blipFill>
+        <p:spPr>
+          <a:xfrm>
+            <a:off x="36693005" y="1193345"/>
+            <a:ext cx="3961788" cy="3170952"/>
+          </a:xfrm>
+          <a:prstGeom prst="rect">
+            <a:avLst/>
+          </a:prstGeom>
+        </p:spPr>
+      </p:pic>
     </p:spTree>
     <p:extLst>
       <p:ext uri="{BB962C8B-B14F-4D97-AF65-F5344CB8AC3E}">
@@ -4319,6 +5021,11 @@
   <p:clrMapOvr>
     <a:masterClrMapping/>
   </p:clrMapOvr>
+  <p:extLst>
+    <p:ext uri="{6950BFC3-D8DA-4A85-94F7-54DA5524770B}">
+      <p188:commentRel xmlns:p188="http://schemas.microsoft.com/office/powerpoint/2018/8/main" r:id="rId2"/>
+    </p:ext>
+  </p:extLst>
 </p:sld>
 </file>
 
